--- a/pt/ProgrammingLessons/GyroTurning.pptx
+++ b/pt/ProgrammingLessons/GyroTurning.pptx
@@ -141,6 +141,528 @@
 </p:presentation>
 </file>
 
+<file path=ppt/revisionInfo.xml><?xml version="1.0" encoding="utf-8"?>
+<p1510:revInfo xmlns:a="http://schemas.openxmlformats.org/drawingml/2006/main" xmlns:r="http://schemas.openxmlformats.org/officeDocument/2006/relationships" xmlns:p1510="http://schemas.microsoft.com/office/powerpoint/2015/10/main">
+  <p1510:revLst>
+    <p1510:client id="{669D2454-B14E-4FFC-8918-A75ADECFCD9B}" v="19" dt="2020-07-12T03:20:42.156"/>
+  </p1510:revLst>
+</p1510:revInfo>
+</file>
+
+<file path=ppt/changesInfos/changesInfo1.xml><?xml version="1.0" encoding="utf-8"?>
+<pc:chgInfo xmlns:a="http://schemas.openxmlformats.org/drawingml/2006/main" xmlns:r="http://schemas.openxmlformats.org/officeDocument/2006/relationships" xmlns:ac="http://schemas.microsoft.com/office/drawing/2013/main/command" xmlns:pc="http://schemas.microsoft.com/office/powerpoint/2013/main/command">
+  <pc:docChgLst>
+    <pc:chgData name="Anderson Harayashiki Moreira" userId="07ffc975ff648281" providerId="LiveId" clId="{669D2454-B14E-4FFC-8918-A75ADECFCD9B}"/>
+    <pc:docChg chg="undo custSel modSld">
+      <pc:chgData name="Anderson Harayashiki Moreira" userId="07ffc975ff648281" providerId="LiveId" clId="{669D2454-B14E-4FFC-8918-A75ADECFCD9B}" dt="2020-07-12T03:20:42.156" v="523"/>
+      <pc:docMkLst>
+        <pc:docMk/>
+      </pc:docMkLst>
+      <pc:sldChg chg="addSp delSp modSp">
+        <pc:chgData name="Anderson Harayashiki Moreira" userId="07ffc975ff648281" providerId="LiveId" clId="{669D2454-B14E-4FFC-8918-A75ADECFCD9B}" dt="2020-07-12T03:20:27.371" v="519"/>
+        <pc:sldMkLst>
+          <pc:docMk/>
+          <pc:sldMk cId="675085363" sldId="257"/>
+        </pc:sldMkLst>
+        <pc:spChg chg="mod">
+          <ac:chgData name="Anderson Harayashiki Moreira" userId="07ffc975ff648281" providerId="LiveId" clId="{669D2454-B14E-4FFC-8918-A75ADECFCD9B}" dt="2020-07-12T02:41:42.075" v="4" actId="20577"/>
+          <ac:spMkLst>
+            <pc:docMk/>
+            <pc:sldMk cId="675085363" sldId="257"/>
+            <ac:spMk id="3" creationId="{00000000-0000-0000-0000-000000000000}"/>
+          </ac:spMkLst>
+        </pc:spChg>
+        <pc:spChg chg="del">
+          <ac:chgData name="Anderson Harayashiki Moreira" userId="07ffc975ff648281" providerId="LiveId" clId="{669D2454-B14E-4FFC-8918-A75ADECFCD9B}" dt="2020-07-12T03:20:26.447" v="518" actId="478"/>
+          <ac:spMkLst>
+            <pc:docMk/>
+            <pc:sldMk cId="675085363" sldId="257"/>
+            <ac:spMk id="4" creationId="{00000000-0000-0000-0000-000000000000}"/>
+          </ac:spMkLst>
+        </pc:spChg>
+        <pc:spChg chg="add">
+          <ac:chgData name="Anderson Harayashiki Moreira" userId="07ffc975ff648281" providerId="LiveId" clId="{669D2454-B14E-4FFC-8918-A75ADECFCD9B}" dt="2020-07-12T03:20:27.371" v="519"/>
+          <ac:spMkLst>
+            <pc:docMk/>
+            <pc:sldMk cId="675085363" sldId="257"/>
+            <ac:spMk id="6" creationId="{0DC4E429-4918-4E71-9D24-F5212BA00441}"/>
+          </ac:spMkLst>
+        </pc:spChg>
+      </pc:sldChg>
+      <pc:sldChg chg="addSp delSp modSp">
+        <pc:chgData name="Anderson Harayashiki Moreira" userId="07ffc975ff648281" providerId="LiveId" clId="{669D2454-B14E-4FFC-8918-A75ADECFCD9B}" dt="2020-07-12T03:19:59.171" v="505"/>
+        <pc:sldMkLst>
+          <pc:docMk/>
+          <pc:sldMk cId="1775674711" sldId="265"/>
+        </pc:sldMkLst>
+        <pc:spChg chg="del">
+          <ac:chgData name="Anderson Harayashiki Moreira" userId="07ffc975ff648281" providerId="LiveId" clId="{669D2454-B14E-4FFC-8918-A75ADECFCD9B}" dt="2020-07-12T03:19:58.779" v="504" actId="478"/>
+          <ac:spMkLst>
+            <pc:docMk/>
+            <pc:sldMk cId="1775674711" sldId="265"/>
+            <ac:spMk id="3" creationId="{00000000-0000-0000-0000-000000000000}"/>
+          </ac:spMkLst>
+        </pc:spChg>
+        <pc:spChg chg="mod">
+          <ac:chgData name="Anderson Harayashiki Moreira" userId="07ffc975ff648281" providerId="LiveId" clId="{669D2454-B14E-4FFC-8918-A75ADECFCD9B}" dt="2020-07-12T03:11:16.546" v="152" actId="20577"/>
+          <ac:spMkLst>
+            <pc:docMk/>
+            <pc:sldMk cId="1775674711" sldId="265"/>
+            <ac:spMk id="6" creationId="{00000000-0000-0000-0000-000000000000}"/>
+          </ac:spMkLst>
+        </pc:spChg>
+        <pc:spChg chg="mod">
+          <ac:chgData name="Anderson Harayashiki Moreira" userId="07ffc975ff648281" providerId="LiveId" clId="{669D2454-B14E-4FFC-8918-A75ADECFCD9B}" dt="2020-07-12T03:11:29.365" v="176" actId="20577"/>
+          <ac:spMkLst>
+            <pc:docMk/>
+            <pc:sldMk cId="1775674711" sldId="265"/>
+            <ac:spMk id="7" creationId="{00000000-0000-0000-0000-000000000000}"/>
+          </ac:spMkLst>
+        </pc:spChg>
+        <pc:spChg chg="mod">
+          <ac:chgData name="Anderson Harayashiki Moreira" userId="07ffc975ff648281" providerId="LiveId" clId="{669D2454-B14E-4FFC-8918-A75ADECFCD9B}" dt="2020-07-12T03:12:36.355" v="219" actId="20577"/>
+          <ac:spMkLst>
+            <pc:docMk/>
+            <pc:sldMk cId="1775674711" sldId="265"/>
+            <ac:spMk id="8" creationId="{00000000-0000-0000-0000-000000000000}"/>
+          </ac:spMkLst>
+        </pc:spChg>
+        <pc:spChg chg="mod">
+          <ac:chgData name="Anderson Harayashiki Moreira" userId="07ffc975ff648281" providerId="LiveId" clId="{669D2454-B14E-4FFC-8918-A75ADECFCD9B}" dt="2020-07-12T03:13:05.299" v="224"/>
+          <ac:spMkLst>
+            <pc:docMk/>
+            <pc:sldMk cId="1775674711" sldId="265"/>
+            <ac:spMk id="28" creationId="{00000000-0000-0000-0000-000000000000}"/>
+          </ac:spMkLst>
+        </pc:spChg>
+        <pc:spChg chg="add">
+          <ac:chgData name="Anderson Harayashiki Moreira" userId="07ffc975ff648281" providerId="LiveId" clId="{669D2454-B14E-4FFC-8918-A75ADECFCD9B}" dt="2020-07-12T03:19:59.171" v="505"/>
+          <ac:spMkLst>
+            <pc:docMk/>
+            <pc:sldMk cId="1775674711" sldId="265"/>
+            <ac:spMk id="55" creationId="{857EE342-3BDB-4529-8B3A-13941EC77035}"/>
+          </ac:spMkLst>
+        </pc:spChg>
+      </pc:sldChg>
+      <pc:sldChg chg="modSp">
+        <pc:chgData name="Anderson Harayashiki Moreira" userId="07ffc975ff648281" providerId="LiveId" clId="{669D2454-B14E-4FFC-8918-A75ADECFCD9B}" dt="2020-07-12T03:19:40.282" v="497" actId="20577"/>
+        <pc:sldMkLst>
+          <pc:docMk/>
+          <pc:sldMk cId="3392129947" sldId="288"/>
+        </pc:sldMkLst>
+        <pc:spChg chg="mod">
+          <ac:chgData name="Anderson Harayashiki Moreira" userId="07ffc975ff648281" providerId="LiveId" clId="{669D2454-B14E-4FFC-8918-A75ADECFCD9B}" dt="2020-07-12T03:19:25.450" v="493" actId="20577"/>
+          <ac:spMkLst>
+            <pc:docMk/>
+            <pc:sldMk cId="3392129947" sldId="288"/>
+            <ac:spMk id="3" creationId="{00000000-0000-0000-0000-000000000000}"/>
+          </ac:spMkLst>
+        </pc:spChg>
+        <pc:spChg chg="mod">
+          <ac:chgData name="Anderson Harayashiki Moreira" userId="07ffc975ff648281" providerId="LiveId" clId="{669D2454-B14E-4FFC-8918-A75ADECFCD9B}" dt="2020-07-12T03:19:40.282" v="497" actId="20577"/>
+          <ac:spMkLst>
+            <pc:docMk/>
+            <pc:sldMk cId="3392129947" sldId="288"/>
+            <ac:spMk id="4" creationId="{00000000-0000-0000-0000-000000000000}"/>
+          </ac:spMkLst>
+        </pc:spChg>
+      </pc:sldChg>
+      <pc:sldChg chg="addSp delSp">
+        <pc:chgData name="Anderson Harayashiki Moreira" userId="07ffc975ff648281" providerId="LiveId" clId="{669D2454-B14E-4FFC-8918-A75ADECFCD9B}" dt="2020-07-12T03:20:42.156" v="523"/>
+        <pc:sldMkLst>
+          <pc:docMk/>
+          <pc:sldMk cId="1497744466" sldId="289"/>
+        </pc:sldMkLst>
+        <pc:spChg chg="del">
+          <ac:chgData name="Anderson Harayashiki Moreira" userId="07ffc975ff648281" providerId="LiveId" clId="{669D2454-B14E-4FFC-8918-A75ADECFCD9B}" dt="2020-07-12T03:20:09.559" v="508" actId="478"/>
+          <ac:spMkLst>
+            <pc:docMk/>
+            <pc:sldMk cId="1497744466" sldId="289"/>
+            <ac:spMk id="4" creationId="{44577B8E-018D-430B-B156-258226AC3F2E}"/>
+          </ac:spMkLst>
+        </pc:spChg>
+        <pc:spChg chg="del">
+          <ac:chgData name="Anderson Harayashiki Moreira" userId="07ffc975ff648281" providerId="LiveId" clId="{669D2454-B14E-4FFC-8918-A75ADECFCD9B}" dt="2020-07-12T03:20:41.836" v="522" actId="478"/>
+          <ac:spMkLst>
+            <pc:docMk/>
+            <pc:sldMk cId="1497744466" sldId="289"/>
+            <ac:spMk id="5" creationId="{13B71F25-C8DB-4A5A-A61B-5802BD5C3332}"/>
+          </ac:spMkLst>
+        </pc:spChg>
+        <pc:spChg chg="add">
+          <ac:chgData name="Anderson Harayashiki Moreira" userId="07ffc975ff648281" providerId="LiveId" clId="{669D2454-B14E-4FFC-8918-A75ADECFCD9B}" dt="2020-07-12T03:20:10.214" v="509"/>
+          <ac:spMkLst>
+            <pc:docMk/>
+            <pc:sldMk cId="1497744466" sldId="289"/>
+            <ac:spMk id="6" creationId="{0F9ED497-F8E4-41C8-9933-D89D95B0C5F6}"/>
+          </ac:spMkLst>
+        </pc:spChg>
+        <pc:spChg chg="add">
+          <ac:chgData name="Anderson Harayashiki Moreira" userId="07ffc975ff648281" providerId="LiveId" clId="{669D2454-B14E-4FFC-8918-A75ADECFCD9B}" dt="2020-07-12T03:20:42.156" v="523"/>
+          <ac:spMkLst>
+            <pc:docMk/>
+            <pc:sldMk cId="1497744466" sldId="289"/>
+            <ac:spMk id="7" creationId="{009BCA22-D9E1-4C87-A347-82F044921AAE}"/>
+          </ac:spMkLst>
+        </pc:spChg>
+      </pc:sldChg>
+      <pc:sldChg chg="addSp delSp modSp">
+        <pc:chgData name="Anderson Harayashiki Moreira" userId="07ffc975ff648281" providerId="LiveId" clId="{669D2454-B14E-4FFC-8918-A75ADECFCD9B}" dt="2020-07-12T03:20:02.663" v="507"/>
+        <pc:sldMkLst>
+          <pc:docMk/>
+          <pc:sldMk cId="606789576" sldId="291"/>
+        </pc:sldMkLst>
+        <pc:spChg chg="del">
+          <ac:chgData name="Anderson Harayashiki Moreira" userId="07ffc975ff648281" providerId="LiveId" clId="{669D2454-B14E-4FFC-8918-A75ADECFCD9B}" dt="2020-07-12T03:20:01.934" v="506" actId="478"/>
+          <ac:spMkLst>
+            <pc:docMk/>
+            <pc:sldMk cId="606789576" sldId="291"/>
+            <ac:spMk id="4" creationId="{CFE31069-D297-4581-9BE6-3CDB26C11FDD}"/>
+          </ac:spMkLst>
+        </pc:spChg>
+        <pc:spChg chg="mod">
+          <ac:chgData name="Anderson Harayashiki Moreira" userId="07ffc975ff648281" providerId="LiveId" clId="{669D2454-B14E-4FFC-8918-A75ADECFCD9B}" dt="2020-07-12T03:10:43.935" v="132" actId="20577"/>
+          <ac:spMkLst>
+            <pc:docMk/>
+            <pc:sldMk cId="606789576" sldId="291"/>
+            <ac:spMk id="10" creationId="{09717EA9-E217-4AB7-9358-AD920AA61FA9}"/>
+          </ac:spMkLst>
+        </pc:spChg>
+        <pc:spChg chg="add">
+          <ac:chgData name="Anderson Harayashiki Moreira" userId="07ffc975ff648281" providerId="LiveId" clId="{669D2454-B14E-4FFC-8918-A75ADECFCD9B}" dt="2020-07-12T03:20:02.663" v="507"/>
+          <ac:spMkLst>
+            <pc:docMk/>
+            <pc:sldMk cId="606789576" sldId="291"/>
+            <ac:spMk id="14" creationId="{41A4F1CC-2930-41F1-8D99-1EBBD8D0F170}"/>
+          </ac:spMkLst>
+        </pc:spChg>
+      </pc:sldChg>
+      <pc:sldChg chg="addSp delSp modSp">
+        <pc:chgData name="Anderson Harayashiki Moreira" userId="07ffc975ff648281" providerId="LiveId" clId="{669D2454-B14E-4FFC-8918-A75ADECFCD9B}" dt="2020-07-12T03:20:21.528" v="515"/>
+        <pc:sldMkLst>
+          <pc:docMk/>
+          <pc:sldMk cId="1432514220" sldId="292"/>
+        </pc:sldMkLst>
+        <pc:spChg chg="mod">
+          <ac:chgData name="Anderson Harayashiki Moreira" userId="07ffc975ff648281" providerId="LiveId" clId="{669D2454-B14E-4FFC-8918-A75ADECFCD9B}" dt="2020-07-12T02:59:31.044" v="75" actId="1035"/>
+          <ac:spMkLst>
+            <pc:docMk/>
+            <pc:sldMk cId="1432514220" sldId="292"/>
+            <ac:spMk id="3" creationId="{9365F4CC-1F3A-4E81-8595-11CD6B36B795}"/>
+          </ac:spMkLst>
+        </pc:spChg>
+        <pc:spChg chg="del">
+          <ac:chgData name="Anderson Harayashiki Moreira" userId="07ffc975ff648281" providerId="LiveId" clId="{669D2454-B14E-4FFC-8918-A75ADECFCD9B}" dt="2020-07-12T03:20:20.712" v="514" actId="478"/>
+          <ac:spMkLst>
+            <pc:docMk/>
+            <pc:sldMk cId="1432514220" sldId="292"/>
+            <ac:spMk id="4" creationId="{1B4E4B6D-EC79-4AA5-8691-4C708E30FC55}"/>
+          </ac:spMkLst>
+        </pc:spChg>
+        <pc:spChg chg="mod">
+          <ac:chgData name="Anderson Harayashiki Moreira" userId="07ffc975ff648281" providerId="LiveId" clId="{669D2454-B14E-4FFC-8918-A75ADECFCD9B}" dt="2020-07-12T02:59:01.077" v="53"/>
+          <ac:spMkLst>
+            <pc:docMk/>
+            <pc:sldMk cId="1432514220" sldId="292"/>
+            <ac:spMk id="6" creationId="{F57276E2-677C-4F5A-9830-16CDFD243800}"/>
+          </ac:spMkLst>
+        </pc:spChg>
+        <pc:spChg chg="mod">
+          <ac:chgData name="Anderson Harayashiki Moreira" userId="07ffc975ff648281" providerId="LiveId" clId="{669D2454-B14E-4FFC-8918-A75ADECFCD9B}" dt="2020-07-12T02:58:35.380" v="47" actId="123"/>
+          <ac:spMkLst>
+            <pc:docMk/>
+            <pc:sldMk cId="1432514220" sldId="292"/>
+            <ac:spMk id="8" creationId="{1A185C5C-1811-422F-AA9A-F9BB58D3AEAD}"/>
+          </ac:spMkLst>
+        </pc:spChg>
+        <pc:spChg chg="add">
+          <ac:chgData name="Anderson Harayashiki Moreira" userId="07ffc975ff648281" providerId="LiveId" clId="{669D2454-B14E-4FFC-8918-A75ADECFCD9B}" dt="2020-07-12T03:20:21.528" v="515"/>
+          <ac:spMkLst>
+            <pc:docMk/>
+            <pc:sldMk cId="1432514220" sldId="292"/>
+            <ac:spMk id="18" creationId="{56C65480-E0A0-49BB-933B-28283572EBC1}"/>
+          </ac:spMkLst>
+        </pc:spChg>
+      </pc:sldChg>
+      <pc:sldChg chg="addSp delSp modSp">
+        <pc:chgData name="Anderson Harayashiki Moreira" userId="07ffc975ff648281" providerId="LiveId" clId="{669D2454-B14E-4FFC-8918-A75ADECFCD9B}" dt="2020-07-12T03:20:18.119" v="513"/>
+        <pc:sldMkLst>
+          <pc:docMk/>
+          <pc:sldMk cId="1348810959" sldId="293"/>
+        </pc:sldMkLst>
+        <pc:spChg chg="mod">
+          <ac:chgData name="Anderson Harayashiki Moreira" userId="07ffc975ff648281" providerId="LiveId" clId="{669D2454-B14E-4FFC-8918-A75ADECFCD9B}" dt="2020-07-12T03:01:21.682" v="87" actId="6549"/>
+          <ac:spMkLst>
+            <pc:docMk/>
+            <pc:sldMk cId="1348810959" sldId="293"/>
+            <ac:spMk id="3" creationId="{9ADE296E-04DF-45D1-A790-7C97ED9FB817}"/>
+          </ac:spMkLst>
+        </pc:spChg>
+        <pc:spChg chg="del">
+          <ac:chgData name="Anderson Harayashiki Moreira" userId="07ffc975ff648281" providerId="LiveId" clId="{669D2454-B14E-4FFC-8918-A75ADECFCD9B}" dt="2020-07-12T03:20:17.061" v="512" actId="478"/>
+          <ac:spMkLst>
+            <pc:docMk/>
+            <pc:sldMk cId="1348810959" sldId="293"/>
+            <ac:spMk id="4" creationId="{F1CA1115-2379-41AF-9666-D6261AEA3E5D}"/>
+          </ac:spMkLst>
+        </pc:spChg>
+        <pc:spChg chg="add">
+          <ac:chgData name="Anderson Harayashiki Moreira" userId="07ffc975ff648281" providerId="LiveId" clId="{669D2454-B14E-4FFC-8918-A75ADECFCD9B}" dt="2020-07-12T03:20:18.119" v="513"/>
+          <ac:spMkLst>
+            <pc:docMk/>
+            <pc:sldMk cId="1348810959" sldId="293"/>
+            <ac:spMk id="9" creationId="{BC414D57-9161-4C0D-A1B2-566154C2E85D}"/>
+          </ac:spMkLst>
+        </pc:spChg>
+      </pc:sldChg>
+      <pc:sldChg chg="addSp delSp modSp">
+        <pc:chgData name="Anderson Harayashiki Moreira" userId="07ffc975ff648281" providerId="LiveId" clId="{669D2454-B14E-4FFC-8918-A75ADECFCD9B}" dt="2020-07-12T03:20:24.277" v="517"/>
+        <pc:sldMkLst>
+          <pc:docMk/>
+          <pc:sldMk cId="2101780078" sldId="295"/>
+        </pc:sldMkLst>
+        <pc:spChg chg="mod">
+          <ac:chgData name="Anderson Harayashiki Moreira" userId="07ffc975ff648281" providerId="LiveId" clId="{669D2454-B14E-4FFC-8918-A75ADECFCD9B}" dt="2020-07-12T02:59:36.093" v="76" actId="123"/>
+          <ac:spMkLst>
+            <pc:docMk/>
+            <pc:sldMk cId="2101780078" sldId="295"/>
+            <ac:spMk id="3" creationId="{E47E2EED-424B-4877-A6F9-DC1FD3574959}"/>
+          </ac:spMkLst>
+        </pc:spChg>
+        <pc:spChg chg="del">
+          <ac:chgData name="Anderson Harayashiki Moreira" userId="07ffc975ff648281" providerId="LiveId" clId="{669D2454-B14E-4FFC-8918-A75ADECFCD9B}" dt="2020-07-12T03:20:23.605" v="516" actId="478"/>
+          <ac:spMkLst>
+            <pc:docMk/>
+            <pc:sldMk cId="2101780078" sldId="295"/>
+            <ac:spMk id="4" creationId="{3D754A94-060C-4633-88D5-845EC6E0EC3A}"/>
+          </ac:spMkLst>
+        </pc:spChg>
+        <pc:spChg chg="add">
+          <ac:chgData name="Anderson Harayashiki Moreira" userId="07ffc975ff648281" providerId="LiveId" clId="{669D2454-B14E-4FFC-8918-A75ADECFCD9B}" dt="2020-07-12T03:20:24.277" v="517"/>
+          <ac:spMkLst>
+            <pc:docMk/>
+            <pc:sldMk cId="2101780078" sldId="295"/>
+            <ac:spMk id="10" creationId="{3BEE683C-774B-4913-B613-9A39DEE2ED57}"/>
+          </ac:spMkLst>
+        </pc:spChg>
+      </pc:sldChg>
+      <pc:sldChg chg="addSp delSp modSp">
+        <pc:chgData name="Anderson Harayashiki Moreira" userId="07ffc975ff648281" providerId="LiveId" clId="{669D2454-B14E-4FFC-8918-A75ADECFCD9B}" dt="2020-07-12T03:19:56.526" v="503"/>
+        <pc:sldMkLst>
+          <pc:docMk/>
+          <pc:sldMk cId="615959549" sldId="347"/>
+        </pc:sldMkLst>
+        <pc:spChg chg="mod">
+          <ac:chgData name="Anderson Harayashiki Moreira" userId="07ffc975ff648281" providerId="LiveId" clId="{669D2454-B14E-4FFC-8918-A75ADECFCD9B}" dt="2020-07-12T03:14:03.867" v="276" actId="20577"/>
+          <ac:spMkLst>
+            <pc:docMk/>
+            <pc:sldMk cId="615959549" sldId="347"/>
+            <ac:spMk id="2" creationId="{00000000-0000-0000-0000-000000000000}"/>
+          </ac:spMkLst>
+        </pc:spChg>
+        <pc:spChg chg="del">
+          <ac:chgData name="Anderson Harayashiki Moreira" userId="07ffc975ff648281" providerId="LiveId" clId="{669D2454-B14E-4FFC-8918-A75ADECFCD9B}" dt="2020-07-12T03:19:55.886" v="502" actId="478"/>
+          <ac:spMkLst>
+            <pc:docMk/>
+            <pc:sldMk cId="615959549" sldId="347"/>
+            <ac:spMk id="3" creationId="{00000000-0000-0000-0000-000000000000}"/>
+          </ac:spMkLst>
+        </pc:spChg>
+        <pc:spChg chg="mod">
+          <ac:chgData name="Anderson Harayashiki Moreira" userId="07ffc975ff648281" providerId="LiveId" clId="{669D2454-B14E-4FFC-8918-A75ADECFCD9B}" dt="2020-07-12T03:14:27.726" v="308" actId="1036"/>
+          <ac:spMkLst>
+            <pc:docMk/>
+            <pc:sldMk cId="615959549" sldId="347"/>
+            <ac:spMk id="15" creationId="{00000000-0000-0000-0000-000000000000}"/>
+          </ac:spMkLst>
+        </pc:spChg>
+        <pc:spChg chg="add">
+          <ac:chgData name="Anderson Harayashiki Moreira" userId="07ffc975ff648281" providerId="LiveId" clId="{669D2454-B14E-4FFC-8918-A75ADECFCD9B}" dt="2020-07-12T03:19:56.526" v="503"/>
+          <ac:spMkLst>
+            <pc:docMk/>
+            <pc:sldMk cId="615959549" sldId="347"/>
+            <ac:spMk id="59" creationId="{4A4E4A72-AEFB-4DB7-8A70-E878939194C4}"/>
+          </ac:spMkLst>
+        </pc:spChg>
+        <pc:graphicFrameChg chg="mod modGraphic">
+          <ac:chgData name="Anderson Harayashiki Moreira" userId="07ffc975ff648281" providerId="LiveId" clId="{669D2454-B14E-4FFC-8918-A75ADECFCD9B}" dt="2020-07-12T03:15:32.495" v="373" actId="20577"/>
+          <ac:graphicFrameMkLst>
+            <pc:docMk/>
+            <pc:sldMk cId="615959549" sldId="347"/>
+            <ac:graphicFrameMk id="5" creationId="{00000000-0000-0000-0000-000000000000}"/>
+          </ac:graphicFrameMkLst>
+        </pc:graphicFrameChg>
+      </pc:sldChg>
+      <pc:sldChg chg="addSp delSp modSp">
+        <pc:chgData name="Anderson Harayashiki Moreira" userId="07ffc975ff648281" providerId="LiveId" clId="{669D2454-B14E-4FFC-8918-A75ADECFCD9B}" dt="2020-07-12T03:19:52.949" v="501"/>
+        <pc:sldMkLst>
+          <pc:docMk/>
+          <pc:sldMk cId="1968356713" sldId="409"/>
+        </pc:sldMkLst>
+        <pc:spChg chg="mod">
+          <ac:chgData name="Anderson Harayashiki Moreira" userId="07ffc975ff648281" providerId="LiveId" clId="{669D2454-B14E-4FFC-8918-A75ADECFCD9B}" dt="2020-07-12T03:16:49.917" v="389" actId="123"/>
+          <ac:spMkLst>
+            <pc:docMk/>
+            <pc:sldMk cId="1968356713" sldId="409"/>
+            <ac:spMk id="3" creationId="{00000000-0000-0000-0000-000000000000}"/>
+          </ac:spMkLst>
+        </pc:spChg>
+        <pc:spChg chg="del">
+          <ac:chgData name="Anderson Harayashiki Moreira" userId="07ffc975ff648281" providerId="LiveId" clId="{669D2454-B14E-4FFC-8918-A75ADECFCD9B}" dt="2020-07-12T03:19:52.250" v="500" actId="478"/>
+          <ac:spMkLst>
+            <pc:docMk/>
+            <pc:sldMk cId="1968356713" sldId="409"/>
+            <ac:spMk id="4" creationId="{00000000-0000-0000-0000-000000000000}"/>
+          </ac:spMkLst>
+        </pc:spChg>
+        <pc:spChg chg="mod">
+          <ac:chgData name="Anderson Harayashiki Moreira" userId="07ffc975ff648281" providerId="LiveId" clId="{669D2454-B14E-4FFC-8918-A75ADECFCD9B}" dt="2020-07-12T03:17:27.164" v="395" actId="404"/>
+          <ac:spMkLst>
+            <pc:docMk/>
+            <pc:sldMk cId="1968356713" sldId="409"/>
+            <ac:spMk id="21" creationId="{00000000-0000-0000-0000-000000000000}"/>
+          </ac:spMkLst>
+        </pc:spChg>
+        <pc:spChg chg="add">
+          <ac:chgData name="Anderson Harayashiki Moreira" userId="07ffc975ff648281" providerId="LiveId" clId="{669D2454-B14E-4FFC-8918-A75ADECFCD9B}" dt="2020-07-12T03:19:52.949" v="501"/>
+          <ac:spMkLst>
+            <pc:docMk/>
+            <pc:sldMk cId="1968356713" sldId="409"/>
+            <ac:spMk id="36" creationId="{7A99C39F-2F24-4D30-B0D7-8DEAA749F25E}"/>
+          </ac:spMkLst>
+        </pc:spChg>
+        <pc:spChg chg="mod">
+          <ac:chgData name="Anderson Harayashiki Moreira" userId="07ffc975ff648281" providerId="LiveId" clId="{669D2454-B14E-4FFC-8918-A75ADECFCD9B}" dt="2020-07-12T03:17:35.374" v="396" actId="255"/>
+          <ac:spMkLst>
+            <pc:docMk/>
+            <pc:sldMk cId="1968356713" sldId="409"/>
+            <ac:spMk id="38" creationId="{00000000-0000-0000-0000-000000000000}"/>
+          </ac:spMkLst>
+        </pc:spChg>
+        <pc:spChg chg="mod">
+          <ac:chgData name="Anderson Harayashiki Moreira" userId="07ffc975ff648281" providerId="LiveId" clId="{669D2454-B14E-4FFC-8918-A75ADECFCD9B}" dt="2020-07-12T03:16:45.451" v="388" actId="20577"/>
+          <ac:spMkLst>
+            <pc:docMk/>
+            <pc:sldMk cId="1968356713" sldId="409"/>
+            <ac:spMk id="42" creationId="{00000000-0000-0000-0000-000000000000}"/>
+          </ac:spMkLst>
+        </pc:spChg>
+      </pc:sldChg>
+      <pc:sldChg chg="addSp delSp modSp">
+        <pc:chgData name="Anderson Harayashiki Moreira" userId="07ffc975ff648281" providerId="LiveId" clId="{669D2454-B14E-4FFC-8918-A75ADECFCD9B}" dt="2020-07-12T03:19:49.408" v="499"/>
+        <pc:sldMkLst>
+          <pc:docMk/>
+          <pc:sldMk cId="2926526868" sldId="410"/>
+        </pc:sldMkLst>
+        <pc:spChg chg="mod">
+          <ac:chgData name="Anderson Harayashiki Moreira" userId="07ffc975ff648281" providerId="LiveId" clId="{669D2454-B14E-4FFC-8918-A75ADECFCD9B}" dt="2020-07-12T03:19:03.533" v="449" actId="20577"/>
+          <ac:spMkLst>
+            <pc:docMk/>
+            <pc:sldMk cId="2926526868" sldId="410"/>
+            <ac:spMk id="3" creationId="{00000000-0000-0000-0000-000000000000}"/>
+          </ac:spMkLst>
+        </pc:spChg>
+        <pc:spChg chg="del">
+          <ac:chgData name="Anderson Harayashiki Moreira" userId="07ffc975ff648281" providerId="LiveId" clId="{669D2454-B14E-4FFC-8918-A75ADECFCD9B}" dt="2020-07-12T03:19:48.616" v="498" actId="478"/>
+          <ac:spMkLst>
+            <pc:docMk/>
+            <pc:sldMk cId="2926526868" sldId="410"/>
+            <ac:spMk id="4" creationId="{00000000-0000-0000-0000-000000000000}"/>
+          </ac:spMkLst>
+        </pc:spChg>
+        <pc:spChg chg="add">
+          <ac:chgData name="Anderson Harayashiki Moreira" userId="07ffc975ff648281" providerId="LiveId" clId="{669D2454-B14E-4FFC-8918-A75ADECFCD9B}" dt="2020-07-12T03:19:49.408" v="499"/>
+          <ac:spMkLst>
+            <pc:docMk/>
+            <pc:sldMk cId="2926526868" sldId="410"/>
+            <ac:spMk id="8" creationId="{C7F96B02-A407-45FC-8145-2FF68C4DEC69}"/>
+          </ac:spMkLst>
+        </pc:spChg>
+        <pc:spChg chg="mod">
+          <ac:chgData name="Anderson Harayashiki Moreira" userId="07ffc975ff648281" providerId="LiveId" clId="{669D2454-B14E-4FFC-8918-A75ADECFCD9B}" dt="2020-07-12T03:18:15.525" v="417" actId="123"/>
+          <ac:spMkLst>
+            <pc:docMk/>
+            <pc:sldMk cId="2926526868" sldId="410"/>
+            <ac:spMk id="42" creationId="{00000000-0000-0000-0000-000000000000}"/>
+          </ac:spMkLst>
+        </pc:spChg>
+      </pc:sldChg>
+      <pc:sldChg chg="addSp delSp modSp">
+        <pc:chgData name="Anderson Harayashiki Moreira" userId="07ffc975ff648281" providerId="LiveId" clId="{669D2454-B14E-4FFC-8918-A75ADECFCD9B}" dt="2020-07-12T03:20:39.361" v="521"/>
+        <pc:sldMkLst>
+          <pc:docMk/>
+          <pc:sldMk cId="2395154916" sldId="411"/>
+        </pc:sldMkLst>
+        <pc:spChg chg="mod">
+          <ac:chgData name="Anderson Harayashiki Moreira" userId="07ffc975ff648281" providerId="LiveId" clId="{669D2454-B14E-4FFC-8918-A75ADECFCD9B}" dt="2020-07-12T03:10:02.856" v="131" actId="20577"/>
+          <ac:spMkLst>
+            <pc:docMk/>
+            <pc:sldMk cId="2395154916" sldId="411"/>
+            <ac:spMk id="3" creationId="{364434DB-EDF7-4C4B-9C46-D70EBCE5B1FB}"/>
+          </ac:spMkLst>
+        </pc:spChg>
+        <pc:spChg chg="del">
+          <ac:chgData name="Anderson Harayashiki Moreira" userId="07ffc975ff648281" providerId="LiveId" clId="{669D2454-B14E-4FFC-8918-A75ADECFCD9B}" dt="2020-07-12T03:20:13.570" v="510" actId="478"/>
+          <ac:spMkLst>
+            <pc:docMk/>
+            <pc:sldMk cId="2395154916" sldId="411"/>
+            <ac:spMk id="4" creationId="{441CE01D-D1AA-4D7C-94E1-4D6A4CD8F3B8}"/>
+          </ac:spMkLst>
+        </pc:spChg>
+        <pc:spChg chg="del">
+          <ac:chgData name="Anderson Harayashiki Moreira" userId="07ffc975ff648281" providerId="LiveId" clId="{669D2454-B14E-4FFC-8918-A75ADECFCD9B}" dt="2020-07-12T03:20:38.395" v="520" actId="478"/>
+          <ac:spMkLst>
+            <pc:docMk/>
+            <pc:sldMk cId="2395154916" sldId="411"/>
+            <ac:spMk id="5" creationId="{CC522D4F-450C-467A-A356-7BE901C26E30}"/>
+          </ac:spMkLst>
+        </pc:spChg>
+        <pc:spChg chg="add">
+          <ac:chgData name="Anderson Harayashiki Moreira" userId="07ffc975ff648281" providerId="LiveId" clId="{669D2454-B14E-4FFC-8918-A75ADECFCD9B}" dt="2020-07-12T03:20:14.408" v="511"/>
+          <ac:spMkLst>
+            <pc:docMk/>
+            <pc:sldMk cId="2395154916" sldId="411"/>
+            <ac:spMk id="9" creationId="{378DAB1F-2BF6-4CFC-BDED-FA0EC391EFF4}"/>
+          </ac:spMkLst>
+        </pc:spChg>
+        <pc:spChg chg="add">
+          <ac:chgData name="Anderson Harayashiki Moreira" userId="07ffc975ff648281" providerId="LiveId" clId="{669D2454-B14E-4FFC-8918-A75ADECFCD9B}" dt="2020-07-12T03:20:39.361" v="521"/>
+          <ac:spMkLst>
+            <pc:docMk/>
+            <pc:sldMk cId="2395154916" sldId="411"/>
+            <ac:spMk id="10" creationId="{AD25A399-480C-4D24-8055-726515866908}"/>
+          </ac:spMkLst>
+        </pc:spChg>
+        <pc:picChg chg="mod">
+          <ac:chgData name="Anderson Harayashiki Moreira" userId="07ffc975ff648281" providerId="LiveId" clId="{669D2454-B14E-4FFC-8918-A75ADECFCD9B}" dt="2020-07-12T03:08:39.574" v="117" actId="1038"/>
+          <ac:picMkLst>
+            <pc:docMk/>
+            <pc:sldMk cId="2395154916" sldId="411"/>
+            <ac:picMk id="6" creationId="{70EF1B91-D0D7-4454-A339-A45AB84C8DC6}"/>
+          </ac:picMkLst>
+        </pc:picChg>
+        <pc:picChg chg="mod">
+          <ac:chgData name="Anderson Harayashiki Moreira" userId="07ffc975ff648281" providerId="LiveId" clId="{669D2454-B14E-4FFC-8918-A75ADECFCD9B}" dt="2020-07-12T03:08:39.574" v="117" actId="1038"/>
+          <ac:picMkLst>
+            <pc:docMk/>
+            <pc:sldMk cId="2395154916" sldId="411"/>
+            <ac:picMk id="7" creationId="{4845DB5E-8F04-44B7-9DF3-2741E2771044}"/>
+          </ac:picMkLst>
+        </pc:picChg>
+        <pc:picChg chg="mod">
+          <ac:chgData name="Anderson Harayashiki Moreira" userId="07ffc975ff648281" providerId="LiveId" clId="{669D2454-B14E-4FFC-8918-A75ADECFCD9B}" dt="2020-07-12T03:08:39.574" v="117" actId="1038"/>
+          <ac:picMkLst>
+            <pc:docMk/>
+            <pc:sldMk cId="2395154916" sldId="411"/>
+            <ac:picMk id="12" creationId="{E7BADEB2-DCE5-4203-8ED0-0CCB80BBE38A}"/>
+          </ac:picMkLst>
+        </pc:picChg>
+      </pc:sldChg>
+    </pc:docChg>
+  </pc:docChgLst>
+</pc:chgInfo>
+</file>
+
 <file path=ppt/handoutMasters/handoutMaster1.xml><?xml version="1.0" encoding="utf-8"?>
 <p:handoutMaster xmlns:a="http://schemas.openxmlformats.org/drawingml/2006/main" xmlns:r="http://schemas.openxmlformats.org/officeDocument/2006/relationships" xmlns:p="http://schemas.openxmlformats.org/presentationml/2006/main">
   <p:cSld>
@@ -223,7 +745,7 @@
           <a:p>
             <a:fld id="{58040048-1E4D-CD41-AC49-0750EB72586B}" type="datetimeFigureOut">
               <a:rPr lang="en-US" smtClean="0"/>
-              <a:t>6/8/2020</a:t>
+              <a:t>7/11/2020</a:t>
             </a:fld>
             <a:endParaRPr lang="en-US"/>
           </a:p>
@@ -389,7 +911,7 @@
           <a:p>
             <a:fld id="{2B8484CF-5098-F24E-8881-583515D5C406}" type="datetimeFigureOut">
               <a:rPr lang="en-US" smtClean="0"/>
-              <a:t>6/8/2020</a:t>
+              <a:t>7/11/2020</a:t>
             </a:fld>
             <a:endParaRPr lang="en-US"/>
           </a:p>
@@ -5609,7 +6131,7 @@
         <p:spPr/>
         <p:txBody>
           <a:bodyPr>
-            <a:normAutofit/>
+            <a:normAutofit fontScale="90000"/>
           </a:bodyPr>
           <a:lstStyle/>
           <a:p>
@@ -5631,7 +6153,7 @@
             </a:r>
             <a:r>
               <a:rPr lang="en-US" dirty="0"/>
-              <a:t> pivot e spin</a:t>
+              <a:t> EM TORNO DE UM PONTO E EM TORNO DO EIXO DO ROBÔ</a:t>
             </a:r>
           </a:p>
         </p:txBody>
@@ -5646,14 +6168,14 @@
             <p:ph idx="1"/>
             <p:extLst>
               <p:ext uri="{D42A27DB-BD31-4B8C-83A1-F6EECF244321}">
-                <p14:modId xmlns:p14="http://schemas.microsoft.com/office/powerpoint/2010/main" val="2329721850"/>
+                <p14:modId xmlns:p14="http://schemas.microsoft.com/office/powerpoint/2010/main" val="960464163"/>
               </p:ext>
             </p:extLst>
           </p:nvPr>
         </p:nvGraphicFramePr>
         <p:xfrm>
           <a:off x="725353" y="2999207"/>
-          <a:ext cx="7693293" cy="2713191"/>
+          <a:ext cx="7693293" cy="2875004"/>
         </p:xfrm>
         <a:graphic>
           <a:graphicData uri="http://schemas.openxmlformats.org/drawingml/2006/table">
@@ -5896,7 +6418,31 @@
                       </a:r>
                       <a:r>
                         <a:rPr lang="en-US" dirty="0"/>
-                        <a:t> pivot a </a:t>
+                        <a:t> </a:t>
+                      </a:r>
+                      <a:r>
+                        <a:rPr lang="en-US" dirty="0" err="1"/>
+                        <a:t>em</a:t>
+                      </a:r>
+                      <a:r>
+                        <a:rPr lang="en-US" dirty="0"/>
+                        <a:t> </a:t>
+                      </a:r>
+                      <a:r>
+                        <a:rPr lang="en-US" dirty="0" err="1"/>
+                        <a:t>torno</a:t>
+                      </a:r>
+                      <a:r>
+                        <a:rPr lang="en-US" dirty="0"/>
+                        <a:t> de um </a:t>
+                      </a:r>
+                      <a:r>
+                        <a:rPr lang="en-US" dirty="0" err="1"/>
+                        <a:t>ponto</a:t>
+                      </a:r>
+                      <a:r>
+                        <a:rPr lang="en-US" dirty="0"/>
+                        <a:t> para a </a:t>
                       </a:r>
                       <a:r>
                         <a:rPr lang="en-US" dirty="0" err="1"/>
@@ -5919,7 +6465,31 @@
                       </a:r>
                       <a:r>
                         <a:rPr lang="en-US" dirty="0"/>
-                        <a:t> pivot a </a:t>
+                        <a:t> </a:t>
+                      </a:r>
+                      <a:r>
+                        <a:rPr lang="en-US" dirty="0" err="1"/>
+                        <a:t>em</a:t>
+                      </a:r>
+                      <a:r>
+                        <a:rPr lang="en-US" dirty="0"/>
+                        <a:t> </a:t>
+                      </a:r>
+                      <a:r>
+                        <a:rPr lang="en-US" dirty="0" err="1"/>
+                        <a:t>torno</a:t>
+                      </a:r>
+                      <a:r>
+                        <a:rPr lang="en-US" dirty="0"/>
+                        <a:t> de um </a:t>
+                      </a:r>
+                      <a:r>
+                        <a:rPr lang="en-US" dirty="0" err="1"/>
+                        <a:t>ponto</a:t>
+                      </a:r>
+                      <a:r>
+                        <a:rPr lang="en-US" dirty="0"/>
+                        <a:t> para a </a:t>
                       </a:r>
                       <a:r>
                         <a:rPr lang="en-US" dirty="0" err="1"/>
@@ -5942,7 +6512,39 @@
                       </a:r>
                       <a:r>
                         <a:rPr lang="en-US" dirty="0"/>
-                        <a:t> spin a </a:t>
+                        <a:t> </a:t>
+                      </a:r>
+                      <a:r>
+                        <a:rPr lang="en-US" dirty="0" err="1"/>
+                        <a:t>em</a:t>
+                      </a:r>
+                      <a:r>
+                        <a:rPr lang="en-US" dirty="0"/>
+                        <a:t> </a:t>
+                      </a:r>
+                      <a:r>
+                        <a:rPr lang="en-US" dirty="0" err="1"/>
+                        <a:t>torno</a:t>
+                      </a:r>
+                      <a:r>
+                        <a:rPr lang="en-US" dirty="0"/>
+                        <a:t> do </a:t>
+                      </a:r>
+                      <a:r>
+                        <a:rPr lang="en-US" dirty="0" err="1"/>
+                        <a:t>eixo</a:t>
+                      </a:r>
+                      <a:r>
+                        <a:rPr lang="en-US" dirty="0"/>
+                        <a:t> do </a:t>
+                      </a:r>
+                      <a:r>
+                        <a:rPr lang="en-US" dirty="0" err="1"/>
+                        <a:t>robô</a:t>
+                      </a:r>
+                      <a:r>
+                        <a:rPr lang="en-US" dirty="0"/>
+                        <a:t> para a </a:t>
                       </a:r>
                       <a:r>
                         <a:rPr lang="en-US" dirty="0" err="1"/>
@@ -5965,7 +6567,39 @@
                       </a:r>
                       <a:r>
                         <a:rPr lang="en-US" dirty="0"/>
-                        <a:t> spin a </a:t>
+                        <a:t> </a:t>
+                      </a:r>
+                      <a:r>
+                        <a:rPr lang="en-US" dirty="0" err="1"/>
+                        <a:t>em</a:t>
+                      </a:r>
+                      <a:r>
+                        <a:rPr lang="en-US" dirty="0"/>
+                        <a:t> </a:t>
+                      </a:r>
+                      <a:r>
+                        <a:rPr lang="en-US" dirty="0" err="1"/>
+                        <a:t>torno</a:t>
+                      </a:r>
+                      <a:r>
+                        <a:rPr lang="en-US" dirty="0"/>
+                        <a:t> do </a:t>
+                      </a:r>
+                      <a:r>
+                        <a:rPr lang="en-US" dirty="0" err="1"/>
+                        <a:t>eixo</a:t>
+                      </a:r>
+                      <a:r>
+                        <a:rPr lang="en-US" dirty="0"/>
+                        <a:t> do </a:t>
+                      </a:r>
+                      <a:r>
+                        <a:rPr lang="en-US" dirty="0" err="1"/>
+                        <a:t>robô</a:t>
+                      </a:r>
+                      <a:r>
+                        <a:rPr lang="en-US" dirty="0"/>
+                        <a:t> para a </a:t>
                       </a:r>
                       <a:r>
                         <a:rPr lang="en-US" dirty="0" err="1"/>
@@ -5988,36 +6622,14 @@
       </p:graphicFrame>
       <p:sp>
         <p:nvSpPr>
-          <p:cNvPr id="3" name="Footer Placeholder 2"/>
-          <p:cNvSpPr>
-            <a:spLocks noGrp="1"/>
-          </p:cNvSpPr>
-          <p:nvPr>
-            <p:ph type="ftr" sz="quarter" idx="11"/>
-          </p:nvPr>
-        </p:nvSpPr>
-        <p:spPr/>
-        <p:txBody>
-          <a:bodyPr/>
-          <a:lstStyle/>
-          <a:p>
-            <a:r>
-              <a:rPr lang="en-US"/>
-              <a:t>Copyright © 2020 SPIKE Prime Lessons (primelessons.org) CC-BY-NC-SA.  (Last edit: 1/9/2020)</a:t>
-            </a:r>
-          </a:p>
-        </p:txBody>
-      </p:sp>
-      <p:sp>
-        <p:nvSpPr>
           <p:cNvPr id="15" name="TextBox 14"/>
           <p:cNvSpPr txBox="1"/>
           <p:nvPr/>
         </p:nvSpPr>
         <p:spPr>
           <a:xfrm>
-            <a:off x="5923039" y="1014986"/>
-            <a:ext cx="953211" cy="1015663"/>
+            <a:off x="5805880" y="1195228"/>
+            <a:ext cx="1187530" cy="461665"/>
           </a:xfrm>
           <a:prstGeom prst="rect">
             <a:avLst/>
@@ -6051,10 +6663,6 @@
               <a:rPr lang="en-US" sz="1200" dirty="0" err="1"/>
               <a:t>aqui</a:t>
             </a:r>
-            <a:endParaRPr lang="en-US" sz="1200" dirty="0"/>
-          </a:p>
-          <a:p>
-            <a:pPr algn="ctr"/>
             <a:endParaRPr lang="en-US" sz="1200" dirty="0"/>
           </a:p>
         </p:txBody>
@@ -7828,6 +8436,39 @@
           </a:p>
         </p:txBody>
       </p:sp>
+      <p:sp>
+        <p:nvSpPr>
+          <p:cNvPr id="59" name="Footer Placeholder 3">
+            <a:extLst>
+              <a:ext uri="{FF2B5EF4-FFF2-40B4-BE49-F238E27FC236}">
+                <a16:creationId xmlns:a16="http://schemas.microsoft.com/office/drawing/2014/main" id="{4A4E4A72-AEFB-4DB7-8A70-E878939194C4}"/>
+              </a:ext>
+            </a:extLst>
+          </p:cNvPr>
+          <p:cNvSpPr>
+            <a:spLocks noGrp="1"/>
+          </p:cNvSpPr>
+          <p:nvPr>
+            <p:ph type="ftr" sz="quarter" idx="11"/>
+          </p:nvPr>
+        </p:nvSpPr>
+        <p:spPr>
+          <a:xfrm>
+            <a:off x="88409" y="6330493"/>
+            <a:ext cx="4870585" cy="365125"/>
+          </a:xfrm>
+        </p:spPr>
+        <p:txBody>
+          <a:bodyPr/>
+          <a:lstStyle/>
+          <a:p>
+            <a:r>
+              <a:rPr lang="en-US" dirty="0"/>
+              <a:t>Copyright © 2020 SPIKE Prime Lessons (primelessons.org) CC-BY-NC-SA.  (Last edit: 07/12/2020)</a:t>
+            </a:r>
+          </a:p>
+        </p:txBody>
+      </p:sp>
     </p:spTree>
     <p:extLst>
       <p:ext uri="{BB962C8B-B14F-4D97-AF65-F5344CB8AC3E}">
@@ -7924,7 +8565,7 @@
             </a:r>
           </a:p>
           <a:p>
-            <a:pPr marL="342900" indent="-342900">
+            <a:pPr marL="342900" indent="-342900" algn="just">
               <a:buFont typeface="Arial" panose="020B0604020202020204" pitchFamily="34" charset="0"/>
               <a:buChar char="•"/>
             </a:pPr>
@@ -7946,11 +8587,11 @@
                   <a:schemeClr val="tx1"/>
                 </a:solidFill>
               </a:rPr>
-              <a:t> e voltar a primeira.</a:t>
-            </a:r>
-          </a:p>
-          <a:p>
-            <a:pPr marL="342900" indent="-342900">
+              <a:t> e voltar a primeira base.</a:t>
+            </a:r>
+          </a:p>
+          <a:p>
+            <a:pPr marL="342900" indent="-342900" algn="just">
               <a:buFont typeface="Arial" panose="020B0604020202020204" pitchFamily="34" charset="0"/>
               <a:buChar char="•"/>
             </a:pPr>
@@ -7971,28 +8612,6 @@
               <a:t>Vire 180 graus e volte para o mesmo ponto.</a:t>
             </a:r>
             <a:endParaRPr lang="pt-BR" b="0" dirty="0"/>
-          </a:p>
-        </p:txBody>
-      </p:sp>
-      <p:sp>
-        <p:nvSpPr>
-          <p:cNvPr id="4" name="Footer Placeholder 3"/>
-          <p:cNvSpPr>
-            <a:spLocks noGrp="1"/>
-          </p:cNvSpPr>
-          <p:nvPr>
-            <p:ph type="ftr" sz="quarter" idx="11"/>
-          </p:nvPr>
-        </p:nvSpPr>
-        <p:spPr/>
-        <p:txBody>
-          <a:bodyPr/>
-          <a:lstStyle/>
-          <a:p>
-            <a:r>
-              <a:rPr lang="en-US"/>
-              <a:t>Copyright © 2020 SPIKE Prime Lessons (primelessons.org) CC-BY-NC-SA.  (Last edit: 1/9/2020)</a:t>
-            </a:r>
           </a:p>
         </p:txBody>
       </p:sp>
@@ -8470,8 +9089,8 @@
         </p:nvSpPr>
         <p:spPr>
           <a:xfrm>
-            <a:off x="282526" y="1353059"/>
-            <a:ext cx="4100245" cy="2176955"/>
+            <a:off x="282527" y="1353059"/>
+            <a:ext cx="3959762" cy="2176955"/>
           </a:xfrm>
           <a:prstGeom prst="rect">
             <a:avLst/>
@@ -8657,17 +9276,17 @@
             </a:r>
           </a:p>
           <a:p>
-            <a:pPr marL="342900" indent="-342900">
+            <a:pPr marL="342900" indent="-342900" algn="just">
               <a:buFont typeface="Arial" panose="020B0604020202020204" pitchFamily="34" charset="0"/>
               <a:buChar char="•"/>
             </a:pPr>
             <a:r>
               <a:rPr lang="pt-BR" b="0" dirty="0"/>
-              <a:t>Seu robô é um jogador de baseball que deve correr pelas 4 bases e  voltar para o ponto de inicio.</a:t>
-            </a:r>
-          </a:p>
-          <a:p>
-            <a:pPr marL="342900" indent="-342900">
+              <a:t>Seu robô é um jogador de baseball que deve correr pelas 4 bases e  voltar para o ponto de início.</a:t>
+            </a:r>
+          </a:p>
+          <a:p>
+            <a:pPr marL="342900" indent="-342900" algn="just">
               <a:buFont typeface="Arial" panose="020B0604020202020204" pitchFamily="34" charset="0"/>
               <a:buChar char="•"/>
             </a:pPr>
@@ -8677,7 +9296,7 @@
             </a:r>
           </a:p>
           <a:p>
-            <a:pPr marL="342900" indent="-342900">
+            <a:pPr marL="342900" indent="-342900" algn="just">
               <a:buFont typeface="Arial" panose="020B0604020202020204" pitchFamily="34" charset="0"/>
               <a:buChar char="•"/>
             </a:pPr>
@@ -8885,7 +9504,7 @@
             <a:p>
               <a:pPr algn="ctr"/>
               <a:r>
-                <a:rPr lang="en-US" sz="1100" dirty="0" err="1">
+                <a:rPr lang="en-US" sz="800" dirty="0" err="1">
                   <a:solidFill>
                     <a:schemeClr val="tx1"/>
                   </a:solidFill>
@@ -8893,7 +9512,7 @@
                 <a:t>Primeira</a:t>
               </a:r>
               <a:r>
-                <a:rPr lang="en-US" sz="1100" dirty="0">
+                <a:rPr lang="en-US" sz="800" dirty="0">
                   <a:solidFill>
                     <a:schemeClr val="tx1"/>
                   </a:solidFill>
@@ -9217,7 +9836,7 @@
             <a:p>
               <a:pPr algn="ctr"/>
               <a:r>
-                <a:rPr lang="en-US" sz="900" dirty="0">
+                <a:rPr lang="en-US" sz="800" dirty="0">
                   <a:solidFill>
                     <a:schemeClr val="tx1"/>
                   </a:solidFill>
@@ -9254,6 +9873,39 @@
               <a:t>11</a:t>
             </a:fld>
             <a:endParaRPr lang="en-US"/>
+          </a:p>
+        </p:txBody>
+      </p:sp>
+      <p:sp>
+        <p:nvSpPr>
+          <p:cNvPr id="36" name="Footer Placeholder 3">
+            <a:extLst>
+              <a:ext uri="{FF2B5EF4-FFF2-40B4-BE49-F238E27FC236}">
+                <a16:creationId xmlns:a16="http://schemas.microsoft.com/office/drawing/2014/main" id="{7A99C39F-2F24-4D30-B0D7-8DEAA749F25E}"/>
+              </a:ext>
+            </a:extLst>
+          </p:cNvPr>
+          <p:cNvSpPr>
+            <a:spLocks noGrp="1"/>
+          </p:cNvSpPr>
+          <p:nvPr>
+            <p:ph type="ftr" sz="quarter" idx="11"/>
+          </p:nvPr>
+        </p:nvSpPr>
+        <p:spPr>
+          <a:xfrm>
+            <a:off x="88409" y="6330493"/>
+            <a:ext cx="4870585" cy="365125"/>
+          </a:xfrm>
+        </p:spPr>
+        <p:txBody>
+          <a:bodyPr/>
+          <a:lstStyle/>
+          <a:p>
+            <a:r>
+              <a:rPr lang="en-US" dirty="0"/>
+              <a:t>Copyright © 2020 SPIKE Prime Lessons (primelessons.org) CC-BY-NC-SA.  (Last edit: 07/12/2020)</a:t>
+            </a:r>
           </a:p>
         </p:txBody>
       </p:sp>
@@ -9357,40 +10009,18 @@
               <a:buNone/>
             </a:pPr>
             <a:r>
-              <a:rPr lang="pt-BR" b="0" dirty="0"/>
+              <a:rPr lang="pt-BR" sz="2000" b="0" dirty="0"/>
               <a:t>Você provavelmente usou uma </a:t>
             </a:r>
             <a:r>
-              <a:rPr lang="pt-BR" b="1" dirty="0"/>
-              <a:t>curva spin</a:t>
-            </a:r>
-            <a:r>
-              <a:rPr lang="pt-BR" dirty="0"/>
-              <a:t> já que ela é melhor para lugares mais apertados e te aproxima do ponto de saída.</a:t>
-            </a:r>
-            <a:endParaRPr lang="pt-BR" b="0" dirty="0"/>
-          </a:p>
-        </p:txBody>
-      </p:sp>
-      <p:sp>
-        <p:nvSpPr>
-          <p:cNvPr id="4" name="Footer Placeholder 3"/>
-          <p:cNvSpPr>
-            <a:spLocks noGrp="1"/>
-          </p:cNvSpPr>
-          <p:nvPr>
-            <p:ph type="ftr" sz="quarter" idx="11"/>
-          </p:nvPr>
-        </p:nvSpPr>
-        <p:spPr/>
-        <p:txBody>
-          <a:bodyPr/>
-          <a:lstStyle/>
-          <a:p>
-            <a:r>
-              <a:rPr lang="en-US"/>
-              <a:t>Copyright © 2020 SPIKE Prime Lessons (primelessons.org) CC-BY-NC-SA.  (Last edit: 1/9/2020)</a:t>
-            </a:r>
+              <a:rPr lang="pt-BR" sz="2000" b="1" dirty="0"/>
+              <a:t>curva em torno do eixo do robô</a:t>
+            </a:r>
+            <a:r>
+              <a:rPr lang="pt-BR" sz="2000" dirty="0"/>
+              <a:t> já que ela é melhor para lugares mais apertados e te aproxima do ponto de partida.</a:t>
+            </a:r>
+            <a:endParaRPr lang="pt-BR" sz="2000" b="0" dirty="0"/>
           </a:p>
         </p:txBody>
       </p:sp>
@@ -9591,21 +10221,14 @@
             </a:r>
           </a:p>
           <a:p>
+            <a:pPr algn="just"/>
             <a:r>
               <a:rPr lang="pt-BR" b="0" dirty="0"/>
               <a:t>Você provavelmente usou uma combinação de mover com direção e </a:t>
             </a:r>
             <a:r>
               <a:rPr lang="pt-BR" dirty="0"/>
-              <a:t>curvas </a:t>
-            </a:r>
-            <a:r>
-              <a:rPr lang="pt-BR" dirty="0" err="1"/>
-              <a:t>pivot</a:t>
-            </a:r>
-            <a:r>
-              <a:rPr lang="pt-BR" dirty="0"/>
-              <a:t> </a:t>
+              <a:t>curvas em torno de um ponto </a:t>
             </a:r>
             <a:r>
               <a:rPr lang="pt-BR" b="0" dirty="0"/>
@@ -9671,6 +10294,39 @@
               <a:t>12</a:t>
             </a:fld>
             <a:endParaRPr lang="en-US"/>
+          </a:p>
+        </p:txBody>
+      </p:sp>
+      <p:sp>
+        <p:nvSpPr>
+          <p:cNvPr id="8" name="Footer Placeholder 3">
+            <a:extLst>
+              <a:ext uri="{FF2B5EF4-FFF2-40B4-BE49-F238E27FC236}">
+                <a16:creationId xmlns:a16="http://schemas.microsoft.com/office/drawing/2014/main" id="{C7F96B02-A407-45FC-8145-2FF68C4DEC69}"/>
+              </a:ext>
+            </a:extLst>
+          </p:cNvPr>
+          <p:cNvSpPr>
+            <a:spLocks noGrp="1"/>
+          </p:cNvSpPr>
+          <p:nvPr>
+            <p:ph type="ftr" sz="quarter" idx="11"/>
+          </p:nvPr>
+        </p:nvSpPr>
+        <p:spPr>
+          <a:xfrm>
+            <a:off x="88409" y="6330493"/>
+            <a:ext cx="4870585" cy="365125"/>
+          </a:xfrm>
+        </p:spPr>
+        <p:txBody>
+          <a:bodyPr/>
+          <a:lstStyle/>
+          <a:p>
+            <a:r>
+              <a:rPr lang="en-US" dirty="0"/>
+              <a:t>Copyright © 2020 SPIKE Prime Lessons (primelessons.org) CC-BY-NC-SA.  (Last edit: 07/12/2020)</a:t>
+            </a:r>
           </a:p>
         </p:txBody>
       </p:sp>
@@ -9814,7 +10470,15 @@
             </a:r>
             <a:r>
               <a:rPr lang="en-US" sz="1600" dirty="0"/>
-              <a:t> por Lucas Colonna</a:t>
+              <a:t> por Lucas Colonna e </a:t>
+            </a:r>
+            <a:r>
+              <a:rPr lang="en-US" sz="1600" dirty="0" err="1"/>
+              <a:t>revisado</a:t>
+            </a:r>
+            <a:r>
+              <a:rPr lang="en-US" sz="1600" dirty="0"/>
+              <a:t> por Anderson Harayashiki Moreira</a:t>
             </a:r>
           </a:p>
         </p:txBody>
@@ -9836,7 +10500,7 @@
           <a:p>
             <a:r>
               <a:rPr lang="en-US" dirty="0"/>
-              <a:t>Copyright © 2020 SPIKE Prime Lessons (primelessons.org) CC-BY-NC-SA.  (Last edit: 1/9/2020)</a:t>
+              <a:t>Copyright © 2020 SPIKE Prime Lessons (primelessons.org) CC-BY-NC-SA.  (Last edit: 07/12/2020)</a:t>
             </a:r>
           </a:p>
         </p:txBody>
@@ -9866,7 +10530,7 @@
           <a:effectLst/>
           <a:extLst>
             <a:ext uri="{91240B29-F687-4f45-9708-019B960494DF}">
-              <a14:hiddenLine xmlns="" xmlns:a14="http://schemas.microsoft.com/office/drawing/2010/main" w="9525">
+              <a14:hiddenLine xmlns:a14="http://schemas.microsoft.com/office/drawing/2010/main" xmlns="" w="9525">
                 <a:solidFill>
                   <a:schemeClr val="tx1"/>
                 </a:solidFill>
@@ -9876,7 +10540,7 @@
               </a14:hiddenLine>
             </a:ext>
             <a:ext uri="{AF507438-7753-43e0-B8FC-AC1667EBCBE1}">
-              <a14:hiddenEffects xmlns="" xmlns:a14="http://schemas.microsoft.com/office/drawing/2010/main">
+              <a14:hiddenEffects xmlns:a14="http://schemas.microsoft.com/office/drawing/2010/main" xmlns="">
                 <a:effectLst>
                   <a:outerShdw dist="35921" dir="2700000" algn="ctr" rotWithShape="0">
                     <a:schemeClr val="bg2"/>
@@ -10217,7 +10881,7 @@
           <a:noFill/>
           <a:extLst>
             <a:ext uri="{909E8E84-426E-40dd-AFC4-6F175D3DCCD1}">
-              <a14:hiddenFill xmlns="" xmlns:a14="http://schemas.microsoft.com/office/drawing/2010/main">
+              <a14:hiddenFill xmlns:a14="http://schemas.microsoft.com/office/drawing/2010/main" xmlns="">
                 <a:solidFill>
                   <a:srgbClr val="FFFFFF"/>
                 </a:solidFill>
@@ -10336,7 +11000,7 @@
           <a:p>
             <a:r>
               <a:rPr lang="pt-BR" dirty="0"/>
-              <a:t>Aprender a usar o bloco “espere até” com sensores.</a:t>
+              <a:t>Aprender a usar o bloco “espera até que” com sensores.</a:t>
             </a:r>
           </a:p>
           <a:p>
@@ -10344,28 +11008,6 @@
           </a:p>
           <a:p>
             <a:endParaRPr lang="en-US" dirty="0"/>
-          </a:p>
-        </p:txBody>
-      </p:sp>
-      <p:sp>
-        <p:nvSpPr>
-          <p:cNvPr id="4" name="Footer Placeholder 3"/>
-          <p:cNvSpPr>
-            <a:spLocks noGrp="1"/>
-          </p:cNvSpPr>
-          <p:nvPr>
-            <p:ph type="ftr" sz="quarter" idx="11"/>
-          </p:nvPr>
-        </p:nvSpPr>
-        <p:spPr/>
-        <p:txBody>
-          <a:bodyPr/>
-          <a:lstStyle/>
-          <a:p>
-            <a:r>
-              <a:rPr lang="en-US"/>
-              <a:t>Copyright © 2020 SPIKE Prime Lessons (primelessons.org) CC-BY-NC-SA.  (Last edit: 1/9/2020)</a:t>
-            </a:r>
           </a:p>
         </p:txBody>
       </p:sp>
@@ -10395,6 +11037,39 @@
               <a:t>2</a:t>
             </a:fld>
             <a:endParaRPr lang="en-US"/>
+          </a:p>
+        </p:txBody>
+      </p:sp>
+      <p:sp>
+        <p:nvSpPr>
+          <p:cNvPr id="6" name="Footer Placeholder 3">
+            <a:extLst>
+              <a:ext uri="{FF2B5EF4-FFF2-40B4-BE49-F238E27FC236}">
+                <a16:creationId xmlns:a16="http://schemas.microsoft.com/office/drawing/2014/main" id="{0DC4E429-4918-4E71-9D24-F5212BA00441}"/>
+              </a:ext>
+            </a:extLst>
+          </p:cNvPr>
+          <p:cNvSpPr>
+            <a:spLocks noGrp="1"/>
+          </p:cNvSpPr>
+          <p:nvPr>
+            <p:ph type="ftr" sz="quarter" idx="11"/>
+          </p:nvPr>
+        </p:nvSpPr>
+        <p:spPr>
+          <a:xfrm>
+            <a:off x="88409" y="6330493"/>
+            <a:ext cx="4870585" cy="365125"/>
+          </a:xfrm>
+        </p:spPr>
+        <p:txBody>
+          <a:bodyPr/>
+          <a:lstStyle/>
+          <a:p>
+            <a:r>
+              <a:rPr lang="en-US" dirty="0"/>
+              <a:t>Copyright © 2020 SPIKE Prime Lessons (primelessons.org) CC-BY-NC-SA.  (Last edit: 07/12/2020)</a:t>
+            </a:r>
           </a:p>
         </p:txBody>
       </p:sp>
@@ -10530,53 +11205,44 @@
           </a:bodyPr>
           <a:lstStyle/>
           <a:p>
+            <a:pPr algn="just"/>
             <a:r>
               <a:rPr lang="pt-BR" sz="2000" dirty="0"/>
-              <a:t>Blocos de leitura de sensores (valor/frases)- números e textos podem ser colocados em slots ovais. Eles podem ler o valor de sensores ou recuperar um valor salvo em uma variável.</a:t>
-            </a:r>
-          </a:p>
-          <a:p>
+              <a:t>Blocos de função (</a:t>
+            </a:r>
+            <a:r>
+              <a:rPr lang="pt-BR" sz="2000" dirty="0" err="1"/>
+              <a:t>Float</a:t>
+            </a:r>
+            <a:r>
+              <a:rPr lang="pt-BR" sz="2000" dirty="0"/>
+              <a:t>/</a:t>
+            </a:r>
+            <a:r>
+              <a:rPr lang="pt-BR" sz="2000" dirty="0" err="1"/>
+              <a:t>String</a:t>
+            </a:r>
+            <a:r>
+              <a:rPr lang="pt-BR" sz="2000" dirty="0"/>
+              <a:t>)- números e textos podem ser colocados nos slots ovais. Eles podem ler o valor de sensores ou recuperar um valor salvo em uma variável.</a:t>
+            </a:r>
+          </a:p>
+          <a:p>
+            <a:pPr algn="just"/>
             <a:r>
               <a:rPr lang="pt-BR" sz="2000" dirty="0"/>
               <a:t>Blocos de lógica – trazem um valor verdadeiro ou falso e podem ser colocados em encaixes hexagonais.</a:t>
             </a:r>
           </a:p>
           <a:p>
+            <a:pPr algn="just"/>
             <a:r>
               <a:rPr lang="pt-BR" sz="2000" dirty="0"/>
               <a:t>Espere até que -  assim como o Espere por Segundos, esse bloco pausa a execução do programa por algum tempo. Nesse caso o programa espera até que a condição lógica se torne verdadeira.</a:t>
             </a:r>
           </a:p>
           <a:p>
-            <a:endParaRPr lang="en-US" dirty="0"/>
-          </a:p>
-        </p:txBody>
-      </p:sp>
-      <p:sp>
-        <p:nvSpPr>
-          <p:cNvPr id="4" name="Footer Placeholder 3">
-            <a:extLst>
-              <a:ext uri="{FF2B5EF4-FFF2-40B4-BE49-F238E27FC236}">
-                <a16:creationId xmlns:a16="http://schemas.microsoft.com/office/drawing/2014/main" id="{3D754A94-060C-4633-88D5-845EC6E0EC3A}"/>
-              </a:ext>
-            </a:extLst>
-          </p:cNvPr>
-          <p:cNvSpPr>
-            <a:spLocks noGrp="1"/>
-          </p:cNvSpPr>
-          <p:nvPr>
-            <p:ph type="ftr" sz="quarter" idx="11"/>
-          </p:nvPr>
-        </p:nvSpPr>
-        <p:spPr/>
-        <p:txBody>
-          <a:bodyPr/>
-          <a:lstStyle/>
-          <a:p>
-            <a:r>
-              <a:rPr lang="en-US"/>
-              <a:t>Copyright © 2020 SPIKE Prime Lessons (primelessons.org) CC-BY-NC-SA.  (Last edit: 1/9/2020)</a:t>
-            </a:r>
+            <a:pPr algn="just"/>
             <a:endParaRPr lang="en-US" dirty="0"/>
           </a:p>
         </p:txBody>
@@ -10728,6 +11394,39 @@
           </a:fontRef>
         </p:style>
       </p:cxnSp>
+      <p:sp>
+        <p:nvSpPr>
+          <p:cNvPr id="10" name="Footer Placeholder 3">
+            <a:extLst>
+              <a:ext uri="{FF2B5EF4-FFF2-40B4-BE49-F238E27FC236}">
+                <a16:creationId xmlns:a16="http://schemas.microsoft.com/office/drawing/2014/main" id="{3BEE683C-774B-4913-B613-9A39DEE2ED57}"/>
+              </a:ext>
+            </a:extLst>
+          </p:cNvPr>
+          <p:cNvSpPr>
+            <a:spLocks noGrp="1"/>
+          </p:cNvSpPr>
+          <p:nvPr>
+            <p:ph type="ftr" sz="quarter" idx="11"/>
+          </p:nvPr>
+        </p:nvSpPr>
+        <p:spPr>
+          <a:xfrm>
+            <a:off x="88409" y="6330493"/>
+            <a:ext cx="4870585" cy="365125"/>
+          </a:xfrm>
+        </p:spPr>
+        <p:txBody>
+          <a:bodyPr/>
+          <a:lstStyle/>
+          <a:p>
+            <a:r>
+              <a:rPr lang="en-US" dirty="0"/>
+              <a:t>Copyright © 2020 SPIKE Prime Lessons (primelessons.org) CC-BY-NC-SA.  (Last edit: 07/12/2020)</a:t>
+            </a:r>
+          </a:p>
+        </p:txBody>
+      </p:sp>
     </p:spTree>
     <p:extLst>
       <p:ext uri="{BB962C8B-B14F-4D97-AF65-F5344CB8AC3E}">
@@ -10839,50 +11538,23 @@
         </p:nvSpPr>
         <p:spPr>
           <a:xfrm>
-            <a:off x="155088" y="1016777"/>
+            <a:off x="-6200" y="1109093"/>
             <a:ext cx="2744229" cy="953740"/>
           </a:xfrm>
         </p:spPr>
         <p:txBody>
-          <a:bodyPr/>
+          <a:bodyPr>
+            <a:normAutofit/>
+          </a:bodyPr>
           <a:lstStyle/>
           <a:p>
             <a:pPr marL="0" indent="0" algn="ctr">
               <a:buNone/>
             </a:pPr>
             <a:r>
-              <a:rPr lang="pt-BR" dirty="0"/>
+              <a:rPr lang="pt-BR" sz="1500" dirty="0"/>
               <a:t>A guinada corresponde a mover o bloco para a direita e para esquerda</a:t>
             </a:r>
-          </a:p>
-        </p:txBody>
-      </p:sp>
-      <p:sp>
-        <p:nvSpPr>
-          <p:cNvPr id="4" name="Footer Placeholder 3">
-            <a:extLst>
-              <a:ext uri="{FF2B5EF4-FFF2-40B4-BE49-F238E27FC236}">
-                <a16:creationId xmlns:a16="http://schemas.microsoft.com/office/drawing/2014/main" id="{1B4E4B6D-EC79-4AA5-8691-4C708E30FC55}"/>
-              </a:ext>
-            </a:extLst>
-          </p:cNvPr>
-          <p:cNvSpPr>
-            <a:spLocks noGrp="1"/>
-          </p:cNvSpPr>
-          <p:nvPr>
-            <p:ph type="ftr" sz="quarter" idx="11"/>
-          </p:nvPr>
-        </p:nvSpPr>
-        <p:spPr/>
-        <p:txBody>
-          <a:bodyPr/>
-          <a:lstStyle/>
-          <a:p>
-            <a:r>
-              <a:rPr lang="en-US"/>
-              <a:t>Copyright © 2020 SPIKE Prime Lessons (primelessons.org) CC-BY-NC-SA.  (Last edit: 1/9/2020)</a:t>
-            </a:r>
-            <a:endParaRPr lang="en-US" dirty="0"/>
           </a:p>
         </p:txBody>
       </p:sp>
@@ -10931,7 +11603,7 @@
         </p:nvSpPr>
         <p:spPr>
           <a:xfrm>
-            <a:off x="3428398" y="1135016"/>
+            <a:off x="3105406" y="1135016"/>
             <a:ext cx="2106240" cy="752706"/>
           </a:xfrm>
           <a:prstGeom prst="rect">
@@ -11143,7 +11815,7 @@
             </a:lvl9pPr>
           </a:lstStyle>
           <a:p>
-            <a:pPr marL="0" indent="0">
+            <a:pPr marL="0" indent="0" algn="ctr">
               <a:buNone/>
             </a:pPr>
             <a:r>
@@ -11834,7 +12506,7 @@
           <a:bodyPr rtlCol="0" anchor="ctr"/>
           <a:lstStyle/>
           <a:p>
-            <a:pPr algn="ctr"/>
+            <a:pPr algn="just"/>
             <a:r>
               <a:rPr lang="pt-BR" sz="1400" dirty="0">
                 <a:solidFill>
@@ -11861,7 +12533,7 @@
             </a:r>
           </a:p>
           <a:p>
-            <a:pPr algn="ctr"/>
+            <a:pPr algn="just"/>
             <a:r>
               <a:rPr lang="pt-BR" sz="1400" dirty="0">
                 <a:solidFill>
@@ -11872,7 +12544,7 @@
             </a:r>
           </a:p>
           <a:p>
-            <a:pPr algn="ctr"/>
+            <a:pPr algn="just"/>
             <a:r>
               <a:rPr lang="pt-BR" sz="1400" dirty="0">
                 <a:solidFill>
@@ -11914,6 +12586,39 @@
           </a:prstGeom>
         </p:spPr>
       </p:pic>
+      <p:sp>
+        <p:nvSpPr>
+          <p:cNvPr id="18" name="Footer Placeholder 3">
+            <a:extLst>
+              <a:ext uri="{FF2B5EF4-FFF2-40B4-BE49-F238E27FC236}">
+                <a16:creationId xmlns:a16="http://schemas.microsoft.com/office/drawing/2014/main" id="{56C65480-E0A0-49BB-933B-28283572EBC1}"/>
+              </a:ext>
+            </a:extLst>
+          </p:cNvPr>
+          <p:cNvSpPr>
+            <a:spLocks noGrp="1"/>
+          </p:cNvSpPr>
+          <p:nvPr>
+            <p:ph type="ftr" sz="quarter" idx="11"/>
+          </p:nvPr>
+        </p:nvSpPr>
+        <p:spPr>
+          <a:xfrm>
+            <a:off x="88409" y="6330493"/>
+            <a:ext cx="4870585" cy="365125"/>
+          </a:xfrm>
+        </p:spPr>
+        <p:txBody>
+          <a:bodyPr/>
+          <a:lstStyle/>
+          <a:p>
+            <a:r>
+              <a:rPr lang="en-US" dirty="0"/>
+              <a:t>Copyright © 2020 SPIKE Prime Lessons (primelessons.org) CC-BY-NC-SA.  (Last edit: 07/12/2020)</a:t>
+            </a:r>
+          </a:p>
+        </p:txBody>
+      </p:sp>
     </p:spTree>
     <p:extLst>
       <p:ext uri="{BB962C8B-B14F-4D97-AF65-F5344CB8AC3E}">
@@ -12015,83 +12720,53 @@
           </a:bodyPr>
           <a:lstStyle/>
           <a:p>
+            <a:pPr algn="just"/>
             <a:r>
               <a:rPr lang="pt-BR" dirty="0"/>
               <a:t>O giroscópio pode ser programado para medir a guinada, arfagem e rotação do Hub.</a:t>
             </a:r>
           </a:p>
           <a:p>
+            <a:pPr algn="just"/>
             <a:r>
               <a:rPr lang="pt-BR" dirty="0"/>
-              <a:t>Esse valores permitem dizer se o robô virou ao longo do eixo x, y ou z.</a:t>
-            </a:r>
-          </a:p>
-          <a:p>
+              <a:t>Esse valores permitem dizer se o robô rotacionou em torno do eixo x, y ou z.</a:t>
+            </a:r>
+          </a:p>
+          <a:p>
+            <a:pPr algn="just"/>
             <a:r>
               <a:rPr lang="pt-BR" dirty="0"/>
               <a:t>Nessa lição iremos focar na guinada, que pode ser usada para determinar se o robô virou para a esquerda ou direita.</a:t>
             </a:r>
           </a:p>
           <a:p>
+            <a:pPr algn="just"/>
             <a:r>
               <a:rPr lang="pt-BR" dirty="0"/>
-              <a:t>Para arfagem e rotação o robô usa a gravidade para determinar o valor 0. No chão plano a leitura é 0 arfagem e 0 rotação.</a:t>
-            </a:r>
-          </a:p>
-          <a:p>
+              <a:t>Para arfagem e rotação o robô usa a gravidade para determinar o valor 0. No chão plano, a leitura é 0  para arfagem e rotação.</a:t>
+            </a:r>
+          </a:p>
+          <a:p>
+            <a:pPr algn="just"/>
             <a:r>
               <a:rPr lang="pt-BR" dirty="0"/>
-              <a:t>Para a guinada o robô não tem uma </a:t>
-            </a:r>
-            <a:r>
-              <a:rPr lang="pt-BR" dirty="0" err="1"/>
-              <a:t>bussóla</a:t>
-            </a:r>
-            <a:r>
-              <a:rPr lang="pt-BR" dirty="0"/>
-              <a:t> para dizer a ele onde é o norte ou sul. Portanto você deve dizer ao robô o que considerar 0. Isso é feito com o bloco “Definir o ângulo de guinada como 0”.</a:t>
-            </a:r>
-          </a:p>
-          <a:p>
-            <a:pPr lvl="1"/>
+              <a:t>Para a guinada o robô não tem uma bússola para dizer onde é o norte ou sul. Portanto você deve dizer ao robô o que considerar 0. Isso é feito com o bloco “Definir o ângulo de guinada como 0”.</a:t>
+            </a:r>
+          </a:p>
+          <a:p>
+            <a:pPr lvl="1" algn="just"/>
             <a:r>
               <a:rPr lang="pt-BR" dirty="0"/>
               <a:t>Note que o sentido horário corresponde a uma medida positiva de guinada.</a:t>
             </a:r>
           </a:p>
           <a:p>
+            <a:pPr algn="just"/>
             <a:endParaRPr lang="en-US" dirty="0"/>
           </a:p>
           <a:p>
-            <a:endParaRPr lang="en-US" dirty="0"/>
-          </a:p>
-        </p:txBody>
-      </p:sp>
-      <p:sp>
-        <p:nvSpPr>
-          <p:cNvPr id="4" name="Footer Placeholder 3">
-            <a:extLst>
-              <a:ext uri="{FF2B5EF4-FFF2-40B4-BE49-F238E27FC236}">
-                <a16:creationId xmlns:a16="http://schemas.microsoft.com/office/drawing/2014/main" id="{F1CA1115-2379-41AF-9666-D6261AEA3E5D}"/>
-              </a:ext>
-            </a:extLst>
-          </p:cNvPr>
-          <p:cNvSpPr>
-            <a:spLocks noGrp="1"/>
-          </p:cNvSpPr>
-          <p:nvPr>
-            <p:ph type="ftr" sz="quarter" idx="11"/>
-          </p:nvPr>
-        </p:nvSpPr>
-        <p:spPr/>
-        <p:txBody>
-          <a:bodyPr/>
-          <a:lstStyle/>
-          <a:p>
-            <a:r>
-              <a:rPr lang="en-US"/>
-              <a:t>Copyright © 2020 SPIKE Prime Lessons (primelessons.org) CC-BY-NC-SA.  (Last edit: 1/9/2020)</a:t>
-            </a:r>
+            <a:pPr algn="just"/>
             <a:endParaRPr lang="en-US" dirty="0"/>
           </a:p>
         </p:txBody>
@@ -12185,6 +12860,39 @@
           </a:prstGeom>
         </p:spPr>
       </p:pic>
+      <p:sp>
+        <p:nvSpPr>
+          <p:cNvPr id="9" name="Footer Placeholder 3">
+            <a:extLst>
+              <a:ext uri="{FF2B5EF4-FFF2-40B4-BE49-F238E27FC236}">
+                <a16:creationId xmlns:a16="http://schemas.microsoft.com/office/drawing/2014/main" id="{BC414D57-9161-4C0D-A1B2-566154C2E85D}"/>
+              </a:ext>
+            </a:extLst>
+          </p:cNvPr>
+          <p:cNvSpPr>
+            <a:spLocks noGrp="1"/>
+          </p:cNvSpPr>
+          <p:nvPr>
+            <p:ph type="ftr" sz="quarter" idx="11"/>
+          </p:nvPr>
+        </p:nvSpPr>
+        <p:spPr>
+          <a:xfrm>
+            <a:off x="88409" y="6330493"/>
+            <a:ext cx="4870585" cy="365125"/>
+          </a:xfrm>
+        </p:spPr>
+        <p:txBody>
+          <a:bodyPr/>
+          <a:lstStyle/>
+          <a:p>
+            <a:r>
+              <a:rPr lang="en-US" dirty="0"/>
+              <a:t>Copyright © 2020 SPIKE Prime Lessons (primelessons.org) CC-BY-NC-SA.  (Last edit: 07/12/2020)</a:t>
+            </a:r>
+          </a:p>
+        </p:txBody>
+      </p:sp>
     </p:spTree>
     <p:extLst>
       <p:ext uri="{BB962C8B-B14F-4D97-AF65-F5344CB8AC3E}">
@@ -12282,47 +12990,77 @@
           </a:bodyPr>
           <a:lstStyle/>
           <a:p>
+            <a:pPr algn="just">
+              <a:lnSpc>
+                <a:spcPct val="150000"/>
+              </a:lnSpc>
+            </a:pPr>
             <a:r>
               <a:rPr lang="pt-BR" dirty="0"/>
               <a:t>Escreva um programa que vire 90 graus para a direita.</a:t>
             </a:r>
           </a:p>
           <a:p>
+            <a:pPr algn="just">
+              <a:lnSpc>
+                <a:spcPct val="150000"/>
+              </a:lnSpc>
+            </a:pPr>
             <a:r>
               <a:rPr lang="pt-BR" dirty="0"/>
               <a:t>Passos básicos</a:t>
             </a:r>
           </a:p>
           <a:p>
-            <a:pPr lvl="1"/>
+            <a:pPr lvl="1" algn="just">
+              <a:lnSpc>
+                <a:spcPct val="150000"/>
+              </a:lnSpc>
+            </a:pPr>
             <a:r>
               <a:rPr lang="pt-BR" dirty="0"/>
-              <a:t>Faça o seu robô começar a se mover lentamente para a direita movendo somente uma roda.</a:t>
-            </a:r>
-          </a:p>
-          <a:p>
-            <a:pPr lvl="2"/>
+              <a:t>Faça o seu robô começar a se mover lentamente para a direita, movendo somente uma roda.</a:t>
+            </a:r>
+          </a:p>
+          <a:p>
+            <a:pPr lvl="2" algn="just">
+              <a:lnSpc>
+                <a:spcPct val="150000"/>
+              </a:lnSpc>
+            </a:pPr>
             <a:r>
               <a:rPr lang="pt-BR" dirty="0"/>
               <a:t>Use uma potência baixa aqui para melhorar a precisão da curva</a:t>
             </a:r>
           </a:p>
           <a:p>
-            <a:pPr lvl="1"/>
+            <a:pPr lvl="1" algn="just">
+              <a:lnSpc>
+                <a:spcPct val="150000"/>
+              </a:lnSpc>
+            </a:pPr>
             <a:r>
               <a:rPr lang="pt-BR" dirty="0"/>
               <a:t>Defina o ângulo de guinada para 0</a:t>
             </a:r>
           </a:p>
           <a:p>
-            <a:pPr lvl="1"/>
+            <a:pPr lvl="1" algn="just">
+              <a:lnSpc>
+                <a:spcPct val="150000"/>
+              </a:lnSpc>
+            </a:pPr>
             <a:r>
               <a:rPr lang="pt-BR" dirty="0"/>
-              <a:t>Espere até que o valor da guinada atinja o desejado</a:t>
-            </a:r>
-          </a:p>
-          <a:p>
-            <a:pPr lvl="1"/>
+              <a:t>Espere até que o valor da guinada atinja o ângulo desejado</a:t>
+            </a:r>
+          </a:p>
+          <a:p>
+            <a:pPr lvl="1" algn="just">
+              <a:lnSpc>
+                <a:spcPct val="150000"/>
+              </a:lnSpc>
+            </a:pPr>
             <a:r>
               <a:rPr lang="pt-BR" dirty="0"/>
               <a:t>Pare de se mover</a:t>
@@ -12330,75 +13068,6 @@
           </a:p>
           <a:p>
             <a:endParaRPr lang="en-US" dirty="0"/>
-          </a:p>
-        </p:txBody>
-      </p:sp>
-      <p:sp>
-        <p:nvSpPr>
-          <p:cNvPr id="4" name="Footer Placeholder 3">
-            <a:extLst>
-              <a:ext uri="{FF2B5EF4-FFF2-40B4-BE49-F238E27FC236}">
-                <a16:creationId xmlns:a16="http://schemas.microsoft.com/office/drawing/2014/main" id="{441CE01D-D1AA-4D7C-94E1-4D6A4CD8F3B8}"/>
-              </a:ext>
-            </a:extLst>
-          </p:cNvPr>
-          <p:cNvSpPr>
-            <a:spLocks noGrp="1"/>
-          </p:cNvSpPr>
-          <p:nvPr>
-            <p:ph type="ftr" sz="quarter" idx="11"/>
-          </p:nvPr>
-        </p:nvSpPr>
-        <p:spPr>
-          <a:xfrm>
-            <a:off x="88409" y="6266485"/>
-            <a:ext cx="4870585" cy="365125"/>
-          </a:xfrm>
-        </p:spPr>
-        <p:txBody>
-          <a:bodyPr/>
-          <a:lstStyle/>
-          <a:p>
-            <a:r>
-              <a:rPr lang="en-US"/>
-              <a:t>Copyright © 2020 SPIKE Prime Lessons (primelessons.org) CC-BY-NC-SA.  (Last edit: 1/9/2020)</a:t>
-            </a:r>
-            <a:endParaRPr lang="en-US" dirty="0"/>
-          </a:p>
-        </p:txBody>
-      </p:sp>
-      <p:sp>
-        <p:nvSpPr>
-          <p:cNvPr id="5" name="Slide Number Placeholder 4">
-            <a:extLst>
-              <a:ext uri="{FF2B5EF4-FFF2-40B4-BE49-F238E27FC236}">
-                <a16:creationId xmlns:a16="http://schemas.microsoft.com/office/drawing/2014/main" id="{CC522D4F-450C-467A-A356-7BE901C26E30}"/>
-              </a:ext>
-            </a:extLst>
-          </p:cNvPr>
-          <p:cNvSpPr>
-            <a:spLocks noGrp="1"/>
-          </p:cNvSpPr>
-          <p:nvPr>
-            <p:ph type="sldNum" sz="quarter" idx="12"/>
-          </p:nvPr>
-        </p:nvSpPr>
-        <p:spPr>
-          <a:xfrm>
-            <a:off x="8236372" y="6280641"/>
-            <a:ext cx="770468" cy="365125"/>
-          </a:xfrm>
-        </p:spPr>
-        <p:txBody>
-          <a:bodyPr/>
-          <a:lstStyle/>
-          <a:p>
-            <a:fld id="{BBD74847-7BE4-4E4D-8159-51DF7B93C616}" type="slidenum">
-              <a:rPr lang="en-US" smtClean="0"/>
-              <a:pPr/>
-              <a:t>6</a:t>
-            </a:fld>
-            <a:endParaRPr lang="en-US"/>
           </a:p>
         </p:txBody>
       </p:sp>
@@ -12424,7 +13093,7 @@
         </p:blipFill>
         <p:spPr>
           <a:xfrm>
-            <a:off x="5286979" y="3055856"/>
+            <a:off x="5607895" y="3055856"/>
             <a:ext cx="1992514" cy="746287"/>
           </a:xfrm>
           <a:prstGeom prst="rect">
@@ -12454,7 +13123,7 @@
         </p:blipFill>
         <p:spPr>
           <a:xfrm>
-            <a:off x="5286979" y="3967739"/>
+            <a:off x="5607895" y="3967739"/>
             <a:ext cx="3194504" cy="742755"/>
           </a:xfrm>
           <a:prstGeom prst="rect">
@@ -12484,7 +13153,7 @@
         </p:blipFill>
         <p:spPr>
           <a:xfrm>
-            <a:off x="5286979" y="1942314"/>
+            <a:off x="5607895" y="1942314"/>
             <a:ext cx="2853452" cy="1113542"/>
           </a:xfrm>
           <a:prstGeom prst="rect">
@@ -12492,6 +13161,73 @@
           </a:prstGeom>
         </p:spPr>
       </p:pic>
+      <p:sp>
+        <p:nvSpPr>
+          <p:cNvPr id="9" name="Footer Placeholder 3">
+            <a:extLst>
+              <a:ext uri="{FF2B5EF4-FFF2-40B4-BE49-F238E27FC236}">
+                <a16:creationId xmlns:a16="http://schemas.microsoft.com/office/drawing/2014/main" id="{378DAB1F-2BF6-4CFC-BDED-FA0EC391EFF4}"/>
+              </a:ext>
+            </a:extLst>
+          </p:cNvPr>
+          <p:cNvSpPr>
+            <a:spLocks noGrp="1"/>
+          </p:cNvSpPr>
+          <p:nvPr>
+            <p:ph type="ftr" sz="quarter" idx="11"/>
+          </p:nvPr>
+        </p:nvSpPr>
+        <p:spPr>
+          <a:xfrm>
+            <a:off x="88409" y="6330493"/>
+            <a:ext cx="4870585" cy="365125"/>
+          </a:xfrm>
+        </p:spPr>
+        <p:txBody>
+          <a:bodyPr/>
+          <a:lstStyle/>
+          <a:p>
+            <a:r>
+              <a:rPr lang="en-US" dirty="0"/>
+              <a:t>Copyright © 2020 SPIKE Prime Lessons (primelessons.org) CC-BY-NC-SA.  (Last edit: 07/12/2020)</a:t>
+            </a:r>
+          </a:p>
+        </p:txBody>
+      </p:sp>
+      <p:sp>
+        <p:nvSpPr>
+          <p:cNvPr id="10" name="Slide Number Placeholder 6">
+            <a:extLst>
+              <a:ext uri="{FF2B5EF4-FFF2-40B4-BE49-F238E27FC236}">
+                <a16:creationId xmlns:a16="http://schemas.microsoft.com/office/drawing/2014/main" id="{AD25A399-480C-4D24-8055-726515866908}"/>
+              </a:ext>
+            </a:extLst>
+          </p:cNvPr>
+          <p:cNvSpPr>
+            <a:spLocks noGrp="1"/>
+          </p:cNvSpPr>
+          <p:nvPr>
+            <p:ph type="sldNum" sz="quarter" idx="12"/>
+          </p:nvPr>
+        </p:nvSpPr>
+        <p:spPr>
+          <a:xfrm>
+            <a:off x="8236372" y="6317217"/>
+            <a:ext cx="770468" cy="365125"/>
+          </a:xfrm>
+        </p:spPr>
+        <p:txBody>
+          <a:bodyPr/>
+          <a:lstStyle/>
+          <a:p>
+            <a:fld id="{BBD74847-7BE4-4E4D-8159-51DF7B93C616}" type="slidenum">
+              <a:rPr lang="en-US" smtClean="0"/>
+              <a:t>6</a:t>
+            </a:fld>
+            <a:endParaRPr lang="en-US"/>
+          </a:p>
+        </p:txBody>
+      </p:sp>
     </p:spTree>
     <p:extLst>
       <p:ext uri="{BB962C8B-B14F-4D97-AF65-F5344CB8AC3E}">
@@ -12567,75 +13303,6 @@
           </a:p>
         </p:txBody>
       </p:sp>
-      <p:sp>
-        <p:nvSpPr>
-          <p:cNvPr id="4" name="Footer Placeholder 3">
-            <a:extLst>
-              <a:ext uri="{FF2B5EF4-FFF2-40B4-BE49-F238E27FC236}">
-                <a16:creationId xmlns:a16="http://schemas.microsoft.com/office/drawing/2014/main" id="{44577B8E-018D-430B-B156-258226AC3F2E}"/>
-              </a:ext>
-            </a:extLst>
-          </p:cNvPr>
-          <p:cNvSpPr>
-            <a:spLocks noGrp="1"/>
-          </p:cNvSpPr>
-          <p:nvPr>
-            <p:ph type="ftr" sz="quarter" idx="11"/>
-          </p:nvPr>
-        </p:nvSpPr>
-        <p:spPr>
-          <a:xfrm>
-            <a:off x="88409" y="6266485"/>
-            <a:ext cx="4870585" cy="365125"/>
-          </a:xfrm>
-        </p:spPr>
-        <p:txBody>
-          <a:bodyPr/>
-          <a:lstStyle/>
-          <a:p>
-            <a:r>
-              <a:rPr lang="en-US"/>
-              <a:t>Copyright © 2020 SPIKE Prime Lessons (primelessons.org) CC-BY-NC-SA.  (Last edit: 1/9/2020)</a:t>
-            </a:r>
-            <a:endParaRPr lang="en-US" dirty="0"/>
-          </a:p>
-        </p:txBody>
-      </p:sp>
-      <p:sp>
-        <p:nvSpPr>
-          <p:cNvPr id="5" name="Slide Number Placeholder 4">
-            <a:extLst>
-              <a:ext uri="{FF2B5EF4-FFF2-40B4-BE49-F238E27FC236}">
-                <a16:creationId xmlns:a16="http://schemas.microsoft.com/office/drawing/2014/main" id="{13B71F25-C8DB-4A5A-A61B-5802BD5C3332}"/>
-              </a:ext>
-            </a:extLst>
-          </p:cNvPr>
-          <p:cNvSpPr>
-            <a:spLocks noGrp="1"/>
-          </p:cNvSpPr>
-          <p:nvPr>
-            <p:ph type="sldNum" sz="quarter" idx="12"/>
-          </p:nvPr>
-        </p:nvSpPr>
-        <p:spPr>
-          <a:xfrm>
-            <a:off x="8236372" y="6280641"/>
-            <a:ext cx="770468" cy="365125"/>
-          </a:xfrm>
-        </p:spPr>
-        <p:txBody>
-          <a:bodyPr/>
-          <a:lstStyle/>
-          <a:p>
-            <a:fld id="{BBD74847-7BE4-4E4D-8159-51DF7B93C616}" type="slidenum">
-              <a:rPr lang="en-US" smtClean="0"/>
-              <a:pPr/>
-              <a:t>7</a:t>
-            </a:fld>
-            <a:endParaRPr lang="en-US"/>
-          </a:p>
-        </p:txBody>
-      </p:sp>
       <p:pic>
         <p:nvPicPr>
           <p:cNvPr id="17" name="Picture 16">
@@ -12666,6 +13333,73 @@
           </a:prstGeom>
         </p:spPr>
       </p:pic>
+      <p:sp>
+        <p:nvSpPr>
+          <p:cNvPr id="6" name="Footer Placeholder 3">
+            <a:extLst>
+              <a:ext uri="{FF2B5EF4-FFF2-40B4-BE49-F238E27FC236}">
+                <a16:creationId xmlns:a16="http://schemas.microsoft.com/office/drawing/2014/main" id="{0F9ED497-F8E4-41C8-9933-D89D95B0C5F6}"/>
+              </a:ext>
+            </a:extLst>
+          </p:cNvPr>
+          <p:cNvSpPr>
+            <a:spLocks noGrp="1"/>
+          </p:cNvSpPr>
+          <p:nvPr>
+            <p:ph type="ftr" sz="quarter" idx="11"/>
+          </p:nvPr>
+        </p:nvSpPr>
+        <p:spPr>
+          <a:xfrm>
+            <a:off x="88409" y="6330493"/>
+            <a:ext cx="4870585" cy="365125"/>
+          </a:xfrm>
+        </p:spPr>
+        <p:txBody>
+          <a:bodyPr/>
+          <a:lstStyle/>
+          <a:p>
+            <a:r>
+              <a:rPr lang="en-US" dirty="0"/>
+              <a:t>Copyright © 2020 SPIKE Prime Lessons (primelessons.org) CC-BY-NC-SA.  (Last edit: 07/12/2020)</a:t>
+            </a:r>
+          </a:p>
+        </p:txBody>
+      </p:sp>
+      <p:sp>
+        <p:nvSpPr>
+          <p:cNvPr id="7" name="Slide Number Placeholder 6">
+            <a:extLst>
+              <a:ext uri="{FF2B5EF4-FFF2-40B4-BE49-F238E27FC236}">
+                <a16:creationId xmlns:a16="http://schemas.microsoft.com/office/drawing/2014/main" id="{009BCA22-D9E1-4C87-A347-82F044921AAE}"/>
+              </a:ext>
+            </a:extLst>
+          </p:cNvPr>
+          <p:cNvSpPr>
+            <a:spLocks noGrp="1"/>
+          </p:cNvSpPr>
+          <p:nvPr>
+            <p:ph type="sldNum" sz="quarter" idx="12"/>
+          </p:nvPr>
+        </p:nvSpPr>
+        <p:spPr>
+          <a:xfrm>
+            <a:off x="8236372" y="6317217"/>
+            <a:ext cx="770468" cy="365125"/>
+          </a:xfrm>
+        </p:spPr>
+        <p:txBody>
+          <a:bodyPr/>
+          <a:lstStyle/>
+          <a:p>
+            <a:fld id="{BBD74847-7BE4-4E4D-8159-51DF7B93C616}" type="slidenum">
+              <a:rPr lang="en-US" smtClean="0"/>
+              <a:t>7</a:t>
+            </a:fld>
+            <a:endParaRPr lang="en-US"/>
+          </a:p>
+        </p:txBody>
+      </p:sp>
     </p:spTree>
     <p:extLst>
       <p:ext uri="{BB962C8B-B14F-4D97-AF65-F5344CB8AC3E}">
@@ -12813,40 +13547,6 @@
       </p:sp>
       <p:sp>
         <p:nvSpPr>
-          <p:cNvPr id="4" name="Footer Placeholder 3">
-            <a:extLst>
-              <a:ext uri="{FF2B5EF4-FFF2-40B4-BE49-F238E27FC236}">
-                <a16:creationId xmlns:a16="http://schemas.microsoft.com/office/drawing/2014/main" id="{CFE31069-D297-4581-9BE6-3CDB26C11FDD}"/>
-              </a:ext>
-            </a:extLst>
-          </p:cNvPr>
-          <p:cNvSpPr>
-            <a:spLocks noGrp="1"/>
-          </p:cNvSpPr>
-          <p:nvPr>
-            <p:ph type="ftr" sz="quarter" idx="11"/>
-          </p:nvPr>
-        </p:nvSpPr>
-        <p:spPr>
-          <a:xfrm>
-            <a:off x="88409" y="6266485"/>
-            <a:ext cx="4870585" cy="365125"/>
-          </a:xfrm>
-        </p:spPr>
-        <p:txBody>
-          <a:bodyPr/>
-          <a:lstStyle/>
-          <a:p>
-            <a:r>
-              <a:rPr lang="en-US"/>
-              <a:t>Copyright © 2020 SPIKE Prime Lessons (primelessons.org) CC-BY-NC-SA.  (Last edit: 1/9/2020)</a:t>
-            </a:r>
-            <a:endParaRPr lang="en-US" dirty="0"/>
-          </a:p>
-        </p:txBody>
-      </p:sp>
-      <p:sp>
-        <p:nvSpPr>
           <p:cNvPr id="5" name="Slide Number Placeholder 4">
             <a:extLst>
               <a:ext uri="{FF2B5EF4-FFF2-40B4-BE49-F238E27FC236}">
@@ -12914,7 +13614,7 @@
             </a:pPr>
             <a:r>
               <a:rPr lang="pt-BR" dirty="0"/>
-              <a:t>Mudar a roda que esta se movendo</a:t>
+              <a:t>Mudar a roda que está se movendo</a:t>
             </a:r>
           </a:p>
           <a:p>
@@ -12934,7 +13634,7 @@
             </a:pPr>
             <a:r>
               <a:rPr lang="pt-BR" dirty="0"/>
-              <a:t>A comparação deve ser “&lt;“ ao invés de “&gt;” uma vez que o ângulo esta diminuindo ao invés de aumentar.</a:t>
+              <a:t>A comparação deve ser “&lt;“ ao invés de “&gt;” uma vez que o ângulo está diminuindo ao invés de aumentar.</a:t>
             </a:r>
           </a:p>
           <a:p>
@@ -13248,6 +13948,39 @@
                 <a:srgbClr val="FF0000"/>
               </a:solidFill>
             </a:endParaRPr>
+          </a:p>
+        </p:txBody>
+      </p:sp>
+      <p:sp>
+        <p:nvSpPr>
+          <p:cNvPr id="14" name="Footer Placeholder 3">
+            <a:extLst>
+              <a:ext uri="{FF2B5EF4-FFF2-40B4-BE49-F238E27FC236}">
+                <a16:creationId xmlns:a16="http://schemas.microsoft.com/office/drawing/2014/main" id="{41A4F1CC-2930-41F1-8D99-1EBBD8D0F170}"/>
+              </a:ext>
+            </a:extLst>
+          </p:cNvPr>
+          <p:cNvSpPr>
+            <a:spLocks noGrp="1"/>
+          </p:cNvSpPr>
+          <p:nvPr>
+            <p:ph type="ftr" sz="quarter" idx="11"/>
+          </p:nvPr>
+        </p:nvSpPr>
+        <p:spPr>
+          <a:xfrm>
+            <a:off x="88409" y="6330493"/>
+            <a:ext cx="4870585" cy="365125"/>
+          </a:xfrm>
+        </p:spPr>
+        <p:txBody>
+          <a:bodyPr/>
+          <a:lstStyle/>
+          <a:p>
+            <a:r>
+              <a:rPr lang="en-US" dirty="0"/>
+              <a:t>Copyright © 2020 SPIKE Prime Lessons (primelessons.org) CC-BY-NC-SA.  (Last edit: 07/12/2020)</a:t>
+            </a:r>
           </a:p>
         </p:txBody>
       </p:sp>
@@ -13453,28 +14186,6 @@
       </p:sp>
       <p:sp>
         <p:nvSpPr>
-          <p:cNvPr id="3" name="Footer Placeholder 2"/>
-          <p:cNvSpPr>
-            <a:spLocks noGrp="1"/>
-          </p:cNvSpPr>
-          <p:nvPr>
-            <p:ph type="ftr" sz="quarter" idx="11"/>
-          </p:nvPr>
-        </p:nvSpPr>
-        <p:spPr/>
-        <p:txBody>
-          <a:bodyPr/>
-          <a:lstStyle/>
-          <a:p>
-            <a:r>
-              <a:rPr lang="en-US"/>
-              <a:t>Copyright © 2020 SPIKE Prime Lessons (primelessons.org) CC-BY-NC-SA.  (Last edit: 1/9/2020)</a:t>
-            </a:r>
-          </a:p>
-        </p:txBody>
-      </p:sp>
-      <p:sp>
-        <p:nvSpPr>
           <p:cNvPr id="6" name="TextBox 5"/>
           <p:cNvSpPr txBox="1"/>
           <p:nvPr/>
@@ -13535,7 +14246,55 @@
                   <a:schemeClr val="tx1"/>
                 </a:solidFill>
               </a:rPr>
-              <a:t> pivot de 180 </a:t>
+              <a:t> </a:t>
+            </a:r>
+            <a:r>
+              <a:rPr lang="en-US" b="1" dirty="0" err="1">
+                <a:solidFill>
+                  <a:schemeClr val="tx1"/>
+                </a:solidFill>
+              </a:rPr>
+              <a:t>em</a:t>
+            </a:r>
+            <a:r>
+              <a:rPr lang="en-US" b="1" dirty="0">
+                <a:solidFill>
+                  <a:schemeClr val="tx1"/>
+                </a:solidFill>
+              </a:rPr>
+              <a:t> </a:t>
+            </a:r>
+            <a:r>
+              <a:rPr lang="en-US" b="1" dirty="0" err="1">
+                <a:solidFill>
+                  <a:schemeClr val="tx1"/>
+                </a:solidFill>
+              </a:rPr>
+              <a:t>torno</a:t>
+            </a:r>
+            <a:r>
+              <a:rPr lang="en-US" b="1" dirty="0">
+                <a:solidFill>
+                  <a:schemeClr val="tx1"/>
+                </a:solidFill>
+              </a:rPr>
+              <a:t> de um </a:t>
+            </a:r>
+            <a:r>
+              <a:rPr lang="en-US" b="1" dirty="0" err="1">
+                <a:solidFill>
+                  <a:schemeClr val="tx1"/>
+                </a:solidFill>
+              </a:rPr>
+              <a:t>ponto</a:t>
+            </a:r>
+            <a:r>
+              <a:rPr lang="en-US" b="1" dirty="0">
+                <a:solidFill>
+                  <a:schemeClr val="tx1"/>
+                </a:solidFill>
+              </a:rPr>
+              <a:t> de 180 </a:t>
             </a:r>
             <a:r>
               <a:rPr lang="en-US" b="1" dirty="0" err="1">
@@ -13615,7 +14374,71 @@
                   <a:schemeClr val="tx1"/>
                 </a:solidFill>
               </a:rPr>
-              <a:t> “spin” de 180 </a:t>
+              <a:t> </a:t>
+            </a:r>
+            <a:r>
+              <a:rPr lang="en-US" b="1" dirty="0" err="1">
+                <a:solidFill>
+                  <a:schemeClr val="tx1"/>
+                </a:solidFill>
+              </a:rPr>
+              <a:t>em</a:t>
+            </a:r>
+            <a:r>
+              <a:rPr lang="en-US" b="1" dirty="0">
+                <a:solidFill>
+                  <a:schemeClr val="tx1"/>
+                </a:solidFill>
+              </a:rPr>
+              <a:t> </a:t>
+            </a:r>
+            <a:r>
+              <a:rPr lang="en-US" b="1" dirty="0" err="1">
+                <a:solidFill>
+                  <a:schemeClr val="tx1"/>
+                </a:solidFill>
+              </a:rPr>
+              <a:t>torno</a:t>
+            </a:r>
+            <a:r>
+              <a:rPr lang="en-US" b="1" dirty="0">
+                <a:solidFill>
+                  <a:schemeClr val="tx1"/>
+                </a:solidFill>
+              </a:rPr>
+              <a:t> do </a:t>
+            </a:r>
+            <a:r>
+              <a:rPr lang="en-US" b="1" dirty="0" err="1">
+                <a:solidFill>
+                  <a:schemeClr val="tx1"/>
+                </a:solidFill>
+              </a:rPr>
+              <a:t>eixo</a:t>
+            </a:r>
+            <a:r>
+              <a:rPr lang="en-US" b="1" dirty="0">
+                <a:solidFill>
+                  <a:schemeClr val="tx1"/>
+                </a:solidFill>
+              </a:rPr>
+              <a:t> do </a:t>
+            </a:r>
+            <a:r>
+              <a:rPr lang="en-US" b="1" dirty="0" err="1">
+                <a:solidFill>
+                  <a:schemeClr val="tx1"/>
+                </a:solidFill>
+              </a:rPr>
+              <a:t>robô</a:t>
+            </a:r>
+            <a:r>
+              <a:rPr lang="en-US" b="1" dirty="0">
+                <a:solidFill>
+                  <a:schemeClr val="tx1"/>
+                </a:solidFill>
+              </a:rPr>
+              <a:t> de 180 </a:t>
             </a:r>
             <a:r>
               <a:rPr lang="en-US" b="1" dirty="0" err="1">
@@ -13642,7 +14465,7 @@
         <p:spPr>
           <a:xfrm>
             <a:off x="6115189" y="1255771"/>
-            <a:ext cx="2805025" cy="4524315"/>
+            <a:ext cx="2805025" cy="4801314"/>
           </a:xfrm>
           <a:prstGeom prst="rect">
             <a:avLst/>
@@ -13655,24 +14478,29 @@
           </a:bodyPr>
           <a:lstStyle/>
           <a:p>
+            <a:pPr algn="just"/>
             <a:r>
               <a:rPr lang="pt-BR" dirty="0"/>
               <a:t>Note a posição final do robô em ambos os casos após a curva de 180 graus.</a:t>
             </a:r>
           </a:p>
           <a:p>
+            <a:pPr algn="just"/>
             <a:endParaRPr lang="pt-BR" dirty="0"/>
           </a:p>
           <a:p>
+            <a:pPr algn="just"/>
             <a:r>
               <a:rPr lang="pt-BR" dirty="0"/>
-              <a:t>Na curva “Spin” o robô se move muito menos.  Assim a curva “Spin” é boa para lugares apertados. Ela também tende a ser um pouco mais rápida, porém um pouco menos precisa.</a:t>
-            </a:r>
-          </a:p>
-          <a:p>
+              <a:t>Na curva em torno do eixo do robô, ele se move muito menos.  Assim este tipo de curva é boa para lugares apertados. Ela também tende a ser um pouco mais rápida, porém, é um pouco menos precisa.</a:t>
+            </a:r>
+          </a:p>
+          <a:p>
+            <a:pPr algn="just"/>
             <a:endParaRPr lang="pt-BR" dirty="0"/>
           </a:p>
           <a:p>
+            <a:pPr algn="just"/>
             <a:r>
               <a:rPr lang="pt-BR" dirty="0"/>
               <a:t>Então quando precisar fazer curvas, você deve decidir qual funcionará melhor para sua aplicação.</a:t>
@@ -14030,8 +14858,8 @@
         </p:nvSpPr>
         <p:spPr>
           <a:xfrm>
-            <a:off x="2407414" y="5481404"/>
-            <a:ext cx="1339047" cy="646331"/>
+            <a:off x="2310736" y="5481404"/>
+            <a:ext cx="1532400" cy="646331"/>
           </a:xfrm>
           <a:prstGeom prst="rect">
             <a:avLst/>
@@ -14046,8 +14874,12 @@
           <a:p>
             <a:pPr algn="ctr"/>
             <a:r>
+              <a:rPr lang="en-US" dirty="0" err="1"/>
+              <a:t>Motores</a:t>
+            </a:r>
+            <a:r>
               <a:rPr lang="en-US" dirty="0"/>
-              <a:t>Motor A e </a:t>
+              <a:t> A e </a:t>
             </a:r>
             <a:r>
               <a:rPr lang="en-US" dirty="0" err="1"/>
@@ -15192,6 +16024,39 @@
               <a:t>9</a:t>
             </a:fld>
             <a:endParaRPr lang="en-US"/>
+          </a:p>
+        </p:txBody>
+      </p:sp>
+      <p:sp>
+        <p:nvSpPr>
+          <p:cNvPr id="55" name="Footer Placeholder 3">
+            <a:extLst>
+              <a:ext uri="{FF2B5EF4-FFF2-40B4-BE49-F238E27FC236}">
+                <a16:creationId xmlns:a16="http://schemas.microsoft.com/office/drawing/2014/main" id="{857EE342-3BDB-4529-8B3A-13941EC77035}"/>
+              </a:ext>
+            </a:extLst>
+          </p:cNvPr>
+          <p:cNvSpPr>
+            <a:spLocks noGrp="1"/>
+          </p:cNvSpPr>
+          <p:nvPr>
+            <p:ph type="ftr" sz="quarter" idx="11"/>
+          </p:nvPr>
+        </p:nvSpPr>
+        <p:spPr>
+          <a:xfrm>
+            <a:off x="88409" y="6330493"/>
+            <a:ext cx="4870585" cy="365125"/>
+          </a:xfrm>
+        </p:spPr>
+        <p:txBody>
+          <a:bodyPr/>
+          <a:lstStyle/>
+          <a:p>
+            <a:r>
+              <a:rPr lang="en-US" dirty="0"/>
+              <a:t>Copyright © 2020 SPIKE Prime Lessons (primelessons.org) CC-BY-NC-SA.  (Last edit: 07/12/2020)</a:t>
+            </a:r>
           </a:p>
         </p:txBody>
       </p:sp>
